--- a/submission/R1/Figure2.pptx
+++ b/submission/R1/Figure2.pptx
@@ -3428,14 +3428,14 @@
           <p:nvPr>
             <p:extLst>
               <p:ext uri="{D42A27DB-BD31-4B8C-83A1-F6EECF244321}">
-                <p14:modId xmlns:p14="http://schemas.microsoft.com/office/powerpoint/2010/main" val="769980753"/>
+                <p14:modId xmlns:p14="http://schemas.microsoft.com/office/powerpoint/2010/main" val="422074948"/>
               </p:ext>
             </p:extLst>
           </p:nvPr>
         </p:nvGraphicFramePr>
         <p:xfrm>
-          <a:off x="600595" y="376200"/>
-          <a:ext cx="16687800" cy="24246550"/>
+          <a:off x="326571" y="548873"/>
+          <a:ext cx="17308286" cy="24437753"/>
         </p:xfrm>
         <a:graphic>
           <a:graphicData uri="http://schemas.openxmlformats.org/drawingml/2006/table">
@@ -3444,28 +3444,28 @@
                 <a:tableStyleId>{0505E3EF-67EA-436B-97B2-0124C06EBD24}</a:tableStyleId>
               </a:tblPr>
               <a:tblGrid>
-                <a:gridCol w="2238210">
+                <a:gridCol w="2994979">
                   <a:extLst>
                     <a:ext uri="{9D8B030D-6E8A-4147-A177-3AD203B41FA5}">
                       <a16:colId xmlns:a16="http://schemas.microsoft.com/office/drawing/2014/main" val="2283565881"/>
                     </a:ext>
                   </a:extLst>
                 </a:gridCol>
-                <a:gridCol w="5501533">
+                <a:gridCol w="4898572">
                   <a:extLst>
                     <a:ext uri="{9D8B030D-6E8A-4147-A177-3AD203B41FA5}">
                       <a16:colId xmlns:a16="http://schemas.microsoft.com/office/drawing/2014/main" val="1059539219"/>
                     </a:ext>
                   </a:extLst>
                 </a:gridCol>
-                <a:gridCol w="3201338">
+                <a:gridCol w="3377390">
                   <a:extLst>
                     <a:ext uri="{9D8B030D-6E8A-4147-A177-3AD203B41FA5}">
                       <a16:colId xmlns:a16="http://schemas.microsoft.com/office/drawing/2014/main" val="108330168"/>
                     </a:ext>
                   </a:extLst>
                 </a:gridCol>
-                <a:gridCol w="5746719">
+                <a:gridCol w="6037345">
                   <a:extLst>
                     <a:ext uri="{9D8B030D-6E8A-4147-A177-3AD203B41FA5}">
                       <a16:colId xmlns:a16="http://schemas.microsoft.com/office/drawing/2014/main" val="1587705455"/>
@@ -3473,7 +3473,7 @@
                   </a:extLst>
                 </a:gridCol>
               </a:tblGrid>
-              <a:tr h="613218">
+              <a:tr h="637567">
                 <a:tc>
                   <a:txBody>
                     <a:bodyPr/>
@@ -3488,11 +3488,27 @@
                             </a:schemeClr>
                           </a:solidFill>
                         </a:rPr>
-                        <a:t>Name</a:t>
+                        <a:t>Illusion</a:t>
                       </a:r>
                     </a:p>
                   </a:txBody>
                   <a:tcPr>
+                    <a:lnR w="12700" cap="flat" cmpd="sng" algn="ctr">
+                      <a:noFill/>
+                      <a:prstDash val="solid"/>
+                      <a:round/>
+                      <a:headEnd type="none" w="med" len="med"/>
+                      <a:tailEnd type="none" w="med" len="med"/>
+                    </a:lnR>
+                    <a:lnB w="12700" cap="flat" cmpd="sng" algn="ctr">
+                      <a:solidFill>
+                        <a:schemeClr val="tx1"/>
+                      </a:solidFill>
+                      <a:prstDash val="solid"/>
+                      <a:round/>
+                      <a:headEnd type="none" w="med" len="med"/>
+                      <a:tailEnd type="none" w="med" len="med"/>
+                    </a:lnB>
                     <a:solidFill>
                       <a:schemeClr val="bg1"/>
                     </a:solidFill>
@@ -3512,11 +3528,34 @@
                             </a:schemeClr>
                           </a:solidFill>
                         </a:rPr>
-                        <a:t>Illusion</a:t>
+                        <a:t>Example</a:t>
                       </a:r>
                     </a:p>
                   </a:txBody>
                   <a:tcPr>
+                    <a:lnL w="12700" cap="flat" cmpd="sng" algn="ctr">
+                      <a:noFill/>
+                      <a:prstDash val="solid"/>
+                      <a:round/>
+                      <a:headEnd type="none" w="med" len="med"/>
+                      <a:tailEnd type="none" w="med" len="med"/>
+                    </a:lnL>
+                    <a:lnR w="12700" cap="flat" cmpd="sng" algn="ctr">
+                      <a:noFill/>
+                      <a:prstDash val="solid"/>
+                      <a:round/>
+                      <a:headEnd type="none" w="med" len="med"/>
+                      <a:tailEnd type="none" w="med" len="med"/>
+                    </a:lnR>
+                    <a:lnB w="12700" cap="flat" cmpd="sng" algn="ctr">
+                      <a:solidFill>
+                        <a:schemeClr val="tx1"/>
+                      </a:solidFill>
+                      <a:prstDash val="solid"/>
+                      <a:round/>
+                      <a:headEnd type="none" w="med" len="med"/>
+                      <a:tailEnd type="none" w="med" len="med"/>
+                    </a:lnB>
                     <a:solidFill>
                       <a:schemeClr val="bg1"/>
                     </a:solidFill>
@@ -3541,6 +3580,29 @@
                     </a:p>
                   </a:txBody>
                   <a:tcPr>
+                    <a:lnL w="12700" cap="flat" cmpd="sng" algn="ctr">
+                      <a:noFill/>
+                      <a:prstDash val="solid"/>
+                      <a:round/>
+                      <a:headEnd type="none" w="med" len="med"/>
+                      <a:tailEnd type="none" w="med" len="med"/>
+                    </a:lnL>
+                    <a:lnR w="12700" cap="flat" cmpd="sng" algn="ctr">
+                      <a:noFill/>
+                      <a:prstDash val="solid"/>
+                      <a:round/>
+                      <a:headEnd type="none" w="med" len="med"/>
+                      <a:tailEnd type="none" w="med" len="med"/>
+                    </a:lnR>
+                    <a:lnB w="12700" cap="flat" cmpd="sng" algn="ctr">
+                      <a:solidFill>
+                        <a:schemeClr val="tx1"/>
+                      </a:solidFill>
+                      <a:prstDash val="solid"/>
+                      <a:round/>
+                      <a:headEnd type="none" w="med" len="med"/>
+                      <a:tailEnd type="none" w="med" len="med"/>
+                    </a:lnB>
                     <a:solidFill>
                       <a:schemeClr val="bg1"/>
                     </a:solidFill>
@@ -3565,6 +3627,22 @@
                     </a:p>
                   </a:txBody>
                   <a:tcPr>
+                    <a:lnL w="12700" cap="flat" cmpd="sng" algn="ctr">
+                      <a:noFill/>
+                      <a:prstDash val="solid"/>
+                      <a:round/>
+                      <a:headEnd type="none" w="med" len="med"/>
+                      <a:tailEnd type="none" w="med" len="med"/>
+                    </a:lnL>
+                    <a:lnB w="12700" cap="flat" cmpd="sng" algn="ctr">
+                      <a:solidFill>
+                        <a:schemeClr val="tx1"/>
+                      </a:solidFill>
+                      <a:prstDash val="solid"/>
+                      <a:round/>
+                      <a:headEnd type="none" w="med" len="med"/>
+                      <a:tailEnd type="none" w="med" len="med"/>
+                    </a:lnB>
                     <a:solidFill>
                       <a:schemeClr val="bg1"/>
                     </a:solidFill>
@@ -3576,7 +3654,7 @@
                   </a:ext>
                 </a:extLst>
               </a:tr>
-              <a:tr h="2586404">
+              <a:tr h="2598812">
                 <a:tc>
                   <a:txBody>
                     <a:bodyPr/>
@@ -3584,13 +3662,13 @@
                     <a:p>
                       <a:pPr algn="ctr"/>
                       <a:r>
-                        <a:rPr lang="en-SG" sz="2800" dirty="0" err="1">
+                        <a:rPr lang="en-SG" sz="2800" b="1" dirty="0" err="1">
                           <a:latin typeface="Times New Roman" panose="02020603050405020304" pitchFamily="18" charset="0"/>
                           <a:cs typeface="Times New Roman" panose="02020603050405020304" pitchFamily="18" charset="0"/>
                         </a:rPr>
                         <a:t>Delboeuf</a:t>
                       </a:r>
-                      <a:endParaRPr lang="en-SG" sz="2800" dirty="0">
+                      <a:endParaRPr lang="en-SG" sz="2800" b="1" dirty="0">
                         <a:latin typeface="Times New Roman" panose="02020603050405020304" pitchFamily="18" charset="0"/>
                         <a:cs typeface="Times New Roman" panose="02020603050405020304" pitchFamily="18" charset="0"/>
                       </a:endParaRPr>
@@ -3598,7 +3676,7 @@
                     <a:p>
                       <a:pPr algn="ctr"/>
                       <a:r>
-                        <a:rPr lang="en-SG" sz="2800" dirty="0">
+                        <a:rPr lang="en-SG" sz="2800" b="1" dirty="0">
                           <a:latin typeface="Times New Roman" panose="02020603050405020304" pitchFamily="18" charset="0"/>
                           <a:cs typeface="Times New Roman" panose="02020603050405020304" pitchFamily="18" charset="0"/>
                         </a:rPr>
@@ -3607,6 +3685,31 @@
                     </a:p>
                   </a:txBody>
                   <a:tcPr anchor="ctr">
+                    <a:lnR w="12700" cap="flat" cmpd="sng" algn="ctr">
+                      <a:noFill/>
+                      <a:prstDash val="solid"/>
+                      <a:round/>
+                      <a:headEnd type="none" w="med" len="med"/>
+                      <a:tailEnd type="none" w="med" len="med"/>
+                    </a:lnR>
+                    <a:lnT w="12700" cap="flat" cmpd="sng" algn="ctr">
+                      <a:solidFill>
+                        <a:schemeClr val="tx1"/>
+                      </a:solidFill>
+                      <a:prstDash val="solid"/>
+                      <a:round/>
+                      <a:headEnd type="none" w="med" len="med"/>
+                      <a:tailEnd type="none" w="med" len="med"/>
+                    </a:lnT>
+                    <a:lnB w="12700" cap="flat" cmpd="sng" algn="ctr">
+                      <a:solidFill>
+                        <a:schemeClr val="tx1"/>
+                      </a:solidFill>
+                      <a:prstDash val="solid"/>
+                      <a:round/>
+                      <a:headEnd type="none" w="med" len="med"/>
+                      <a:tailEnd type="none" w="med" len="med"/>
+                    </a:lnB>
                     <a:solidFill>
                       <a:schemeClr val="bg1"/>
                     </a:solidFill>
@@ -3621,6 +3724,38 @@
                     </a:p>
                   </a:txBody>
                   <a:tcPr>
+                    <a:lnL w="12700" cap="flat" cmpd="sng" algn="ctr">
+                      <a:noFill/>
+                      <a:prstDash val="solid"/>
+                      <a:round/>
+                      <a:headEnd type="none" w="med" len="med"/>
+                      <a:tailEnd type="none" w="med" len="med"/>
+                    </a:lnL>
+                    <a:lnR w="12700" cap="flat" cmpd="sng" algn="ctr">
+                      <a:noFill/>
+                      <a:prstDash val="solid"/>
+                      <a:round/>
+                      <a:headEnd type="none" w="med" len="med"/>
+                      <a:tailEnd type="none" w="med" len="med"/>
+                    </a:lnR>
+                    <a:lnT w="12700" cap="flat" cmpd="sng" algn="ctr">
+                      <a:solidFill>
+                        <a:schemeClr val="tx1"/>
+                      </a:solidFill>
+                      <a:prstDash val="solid"/>
+                      <a:round/>
+                      <a:headEnd type="none" w="med" len="med"/>
+                      <a:tailEnd type="none" w="med" len="med"/>
+                    </a:lnT>
+                    <a:lnB w="12700" cap="flat" cmpd="sng" algn="ctr">
+                      <a:solidFill>
+                        <a:schemeClr val="tx1"/>
+                      </a:solidFill>
+                      <a:prstDash val="solid"/>
+                      <a:round/>
+                      <a:headEnd type="none" w="med" len="med"/>
+                      <a:tailEnd type="none" w="med" len="med"/>
+                    </a:lnB>
                     <a:solidFill>
                       <a:schemeClr val="bg1"/>
                     </a:solidFill>
@@ -3631,13 +3766,21 @@
                     <a:bodyPr/>
                     <a:lstStyle/>
                     <a:p>
-                      <a:endParaRPr lang="en-SG" dirty="0">
+                      <a:pPr algn="ctr"/>
+                      <a:endParaRPr lang="en-SG" sz="3543" dirty="0">
                         <a:latin typeface="Times New Roman" panose="02020603050405020304" pitchFamily="18" charset="0"/>
                         <a:cs typeface="Times New Roman" panose="02020603050405020304" pitchFamily="18" charset="0"/>
                       </a:endParaRPr>
                     </a:p>
                     <a:p>
                       <a:pPr algn="ctr"/>
+                      <a:r>
+                        <a:rPr lang="en-SG" sz="3543" dirty="0">
+                          <a:latin typeface="Times New Roman" panose="02020603050405020304" pitchFamily="18" charset="0"/>
+                          <a:cs typeface="Times New Roman" panose="02020603050405020304" pitchFamily="18" charset="0"/>
+                        </a:rPr>
+                        <a:t>    </a:t>
+                      </a:r>
                       <a:r>
                         <a:rPr lang="en-SG" sz="2500" dirty="0">
                           <a:latin typeface="Times New Roman" panose="02020603050405020304" pitchFamily="18" charset="0"/>
@@ -3664,6 +3807,38 @@
                     </a:p>
                   </a:txBody>
                   <a:tcPr>
+                    <a:lnL w="12700" cap="flat" cmpd="sng" algn="ctr">
+                      <a:noFill/>
+                      <a:prstDash val="solid"/>
+                      <a:round/>
+                      <a:headEnd type="none" w="med" len="med"/>
+                      <a:tailEnd type="none" w="med" len="med"/>
+                    </a:lnL>
+                    <a:lnR w="12700" cap="flat" cmpd="sng" algn="ctr">
+                      <a:noFill/>
+                      <a:prstDash val="solid"/>
+                      <a:round/>
+                      <a:headEnd type="none" w="med" len="med"/>
+                      <a:tailEnd type="none" w="med" len="med"/>
+                    </a:lnR>
+                    <a:lnT w="12700" cap="flat" cmpd="sng" algn="ctr">
+                      <a:solidFill>
+                        <a:schemeClr val="tx1"/>
+                      </a:solidFill>
+                      <a:prstDash val="solid"/>
+                      <a:round/>
+                      <a:headEnd type="none" w="med" len="med"/>
+                      <a:tailEnd type="none" w="med" len="med"/>
+                    </a:lnT>
+                    <a:lnB w="12700" cap="flat" cmpd="sng" algn="ctr">
+                      <a:solidFill>
+                        <a:schemeClr val="tx1"/>
+                      </a:solidFill>
+                      <a:prstDash val="solid"/>
+                      <a:round/>
+                      <a:headEnd type="none" w="med" len="med"/>
+                      <a:tailEnd type="none" w="med" len="med"/>
+                    </a:lnB>
                     <a:solidFill>
                       <a:schemeClr val="bg1"/>
                     </a:solidFill>
@@ -3688,6 +3863,31 @@
                     </a:p>
                   </a:txBody>
                   <a:tcPr>
+                    <a:lnL w="12700" cap="flat" cmpd="sng" algn="ctr">
+                      <a:noFill/>
+                      <a:prstDash val="solid"/>
+                      <a:round/>
+                      <a:headEnd type="none" w="med" len="med"/>
+                      <a:tailEnd type="none" w="med" len="med"/>
+                    </a:lnL>
+                    <a:lnT w="12700" cap="flat" cmpd="sng" algn="ctr">
+                      <a:solidFill>
+                        <a:schemeClr val="tx1"/>
+                      </a:solidFill>
+                      <a:prstDash val="solid"/>
+                      <a:round/>
+                      <a:headEnd type="none" w="med" len="med"/>
+                      <a:tailEnd type="none" w="med" len="med"/>
+                    </a:lnT>
+                    <a:lnB w="12700" cap="flat" cmpd="sng" algn="ctr">
+                      <a:solidFill>
+                        <a:schemeClr val="tx1"/>
+                      </a:solidFill>
+                      <a:prstDash val="solid"/>
+                      <a:round/>
+                      <a:headEnd type="none" w="med" len="med"/>
+                      <a:tailEnd type="none" w="med" len="med"/>
+                    </a:lnB>
                     <a:solidFill>
                       <a:schemeClr val="bg1"/>
                     </a:solidFill>
@@ -3699,7 +3899,7 @@
                   </a:ext>
                 </a:extLst>
               </a:tr>
-              <a:tr h="2586404">
+              <a:tr h="2598812">
                 <a:tc>
                   <a:txBody>
                     <a:bodyPr/>
@@ -3707,7 +3907,7 @@
                     <a:p>
                       <a:pPr algn="ctr"/>
                       <a:r>
-                        <a:rPr lang="en-SG" sz="2800" dirty="0">
+                        <a:rPr lang="en-SG" sz="2800" b="1" dirty="0">
                           <a:latin typeface="Times New Roman" panose="02020603050405020304" pitchFamily="18" charset="0"/>
                           <a:cs typeface="Times New Roman" panose="02020603050405020304" pitchFamily="18" charset="0"/>
                         </a:rPr>
@@ -3717,7 +3917,7 @@
                     <a:p>
                       <a:pPr algn="ctr"/>
                       <a:r>
-                        <a:rPr lang="en-SG" sz="2800" dirty="0">
+                        <a:rPr lang="en-SG" sz="2800" b="1" dirty="0">
                           <a:latin typeface="Times New Roman" panose="02020603050405020304" pitchFamily="18" charset="0"/>
                           <a:cs typeface="Times New Roman" panose="02020603050405020304" pitchFamily="18" charset="0"/>
                         </a:rPr>
@@ -3726,6 +3926,31 @@
                     </a:p>
                   </a:txBody>
                   <a:tcPr anchor="ctr">
+                    <a:lnR w="12700" cap="flat" cmpd="sng" algn="ctr">
+                      <a:noFill/>
+                      <a:prstDash val="solid"/>
+                      <a:round/>
+                      <a:headEnd type="none" w="med" len="med"/>
+                      <a:tailEnd type="none" w="med" len="med"/>
+                    </a:lnR>
+                    <a:lnT w="12700" cap="flat" cmpd="sng" algn="ctr">
+                      <a:solidFill>
+                        <a:schemeClr val="tx1"/>
+                      </a:solidFill>
+                      <a:prstDash val="solid"/>
+                      <a:round/>
+                      <a:headEnd type="none" w="med" len="med"/>
+                      <a:tailEnd type="none" w="med" len="med"/>
+                    </a:lnT>
+                    <a:lnB w="12700" cap="flat" cmpd="sng" algn="ctr">
+                      <a:solidFill>
+                        <a:schemeClr val="tx1"/>
+                      </a:solidFill>
+                      <a:prstDash val="solid"/>
+                      <a:round/>
+                      <a:headEnd type="none" w="med" len="med"/>
+                      <a:tailEnd type="none" w="med" len="med"/>
+                    </a:lnB>
                     <a:solidFill>
                       <a:schemeClr val="bg1"/>
                     </a:solidFill>
@@ -3740,6 +3965,38 @@
                     </a:p>
                   </a:txBody>
                   <a:tcPr>
+                    <a:lnL w="12700" cap="flat" cmpd="sng" algn="ctr">
+                      <a:noFill/>
+                      <a:prstDash val="solid"/>
+                      <a:round/>
+                      <a:headEnd type="none" w="med" len="med"/>
+                      <a:tailEnd type="none" w="med" len="med"/>
+                    </a:lnL>
+                    <a:lnR w="12700" cap="flat" cmpd="sng" algn="ctr">
+                      <a:noFill/>
+                      <a:prstDash val="solid"/>
+                      <a:round/>
+                      <a:headEnd type="none" w="med" len="med"/>
+                      <a:tailEnd type="none" w="med" len="med"/>
+                    </a:lnR>
+                    <a:lnT w="12700" cap="flat" cmpd="sng" algn="ctr">
+                      <a:solidFill>
+                        <a:schemeClr val="tx1"/>
+                      </a:solidFill>
+                      <a:prstDash val="solid"/>
+                      <a:round/>
+                      <a:headEnd type="none" w="med" len="med"/>
+                      <a:tailEnd type="none" w="med" len="med"/>
+                    </a:lnT>
+                    <a:lnB w="12700" cap="flat" cmpd="sng" algn="ctr">
+                      <a:solidFill>
+                        <a:schemeClr val="tx1"/>
+                      </a:solidFill>
+                      <a:prstDash val="solid"/>
+                      <a:round/>
+                      <a:headEnd type="none" w="med" len="med"/>
+                      <a:tailEnd type="none" w="med" len="med"/>
+                    </a:lnB>
                     <a:solidFill>
                       <a:schemeClr val="bg1"/>
                     </a:solidFill>
@@ -3763,7 +4020,7 @@
                           <a:latin typeface="Times New Roman" panose="02020603050405020304" pitchFamily="18" charset="0"/>
                           <a:cs typeface="Times New Roman" panose="02020603050405020304" pitchFamily="18" charset="0"/>
                         </a:rPr>
-                        <a:t>Which red circle is bigger?</a:t>
+                        <a:t>    Which red circle is bigger?</a:t>
                       </a:r>
                       <a:endParaRPr lang="en-SG" sz="2500" dirty="0">
                         <a:latin typeface="Times New Roman" panose="02020603050405020304" pitchFamily="18" charset="0"/>
@@ -3772,6 +4029,38 @@
                     </a:p>
                   </a:txBody>
                   <a:tcPr>
+                    <a:lnL w="12700" cap="flat" cmpd="sng" algn="ctr">
+                      <a:noFill/>
+                      <a:prstDash val="solid"/>
+                      <a:round/>
+                      <a:headEnd type="none" w="med" len="med"/>
+                      <a:tailEnd type="none" w="med" len="med"/>
+                    </a:lnL>
+                    <a:lnR w="12700" cap="flat" cmpd="sng" algn="ctr">
+                      <a:noFill/>
+                      <a:prstDash val="solid"/>
+                      <a:round/>
+                      <a:headEnd type="none" w="med" len="med"/>
+                      <a:tailEnd type="none" w="med" len="med"/>
+                    </a:lnR>
+                    <a:lnT w="12700" cap="flat" cmpd="sng" algn="ctr">
+                      <a:solidFill>
+                        <a:schemeClr val="tx1"/>
+                      </a:solidFill>
+                      <a:prstDash val="solid"/>
+                      <a:round/>
+                      <a:headEnd type="none" w="med" len="med"/>
+                      <a:tailEnd type="none" w="med" len="med"/>
+                    </a:lnT>
+                    <a:lnB w="12700" cap="flat" cmpd="sng" algn="ctr">
+                      <a:solidFill>
+                        <a:schemeClr val="tx1"/>
+                      </a:solidFill>
+                      <a:prstDash val="solid"/>
+                      <a:round/>
+                      <a:headEnd type="none" w="med" len="med"/>
+                      <a:tailEnd type="none" w="med" len="med"/>
+                    </a:lnB>
                     <a:solidFill>
                       <a:schemeClr val="bg1"/>
                     </a:solidFill>
@@ -3796,6 +4085,31 @@
                     </a:p>
                   </a:txBody>
                   <a:tcPr>
+                    <a:lnL w="12700" cap="flat" cmpd="sng" algn="ctr">
+                      <a:noFill/>
+                      <a:prstDash val="solid"/>
+                      <a:round/>
+                      <a:headEnd type="none" w="med" len="med"/>
+                      <a:tailEnd type="none" w="med" len="med"/>
+                    </a:lnL>
+                    <a:lnT w="12700" cap="flat" cmpd="sng" algn="ctr">
+                      <a:solidFill>
+                        <a:schemeClr val="tx1"/>
+                      </a:solidFill>
+                      <a:prstDash val="solid"/>
+                      <a:round/>
+                      <a:headEnd type="none" w="med" len="med"/>
+                      <a:tailEnd type="none" w="med" len="med"/>
+                    </a:lnT>
+                    <a:lnB w="12700" cap="flat" cmpd="sng" algn="ctr">
+                      <a:solidFill>
+                        <a:schemeClr val="tx1"/>
+                      </a:solidFill>
+                      <a:prstDash val="solid"/>
+                      <a:round/>
+                      <a:headEnd type="none" w="med" len="med"/>
+                      <a:tailEnd type="none" w="med" len="med"/>
+                    </a:lnB>
                     <a:solidFill>
                       <a:schemeClr val="bg1"/>
                     </a:solidFill>
@@ -3807,7 +4121,7 @@
                   </a:ext>
                 </a:extLst>
               </a:tr>
-              <a:tr h="2058437">
+              <a:tr h="2335393">
                 <a:tc>
                   <a:txBody>
                     <a:bodyPr/>
@@ -3815,20 +4129,20 @@
                     <a:p>
                       <a:pPr algn="ctr"/>
                       <a:r>
-                        <a:rPr lang="en-SG" sz="2800" dirty="0">
+                        <a:rPr lang="en-SG" sz="2800" b="1" dirty="0">
                           <a:latin typeface="Times New Roman" panose="02020603050405020304" pitchFamily="18" charset="0"/>
                           <a:cs typeface="Times New Roman" panose="02020603050405020304" pitchFamily="18" charset="0"/>
                         </a:rPr>
                         <a:t>Müller-</a:t>
                       </a:r>
                       <a:r>
-                        <a:rPr lang="en-SG" sz="2800" dirty="0" err="1">
+                        <a:rPr lang="en-SG" sz="2800" b="1" dirty="0" err="1">
                           <a:latin typeface="Times New Roman" panose="02020603050405020304" pitchFamily="18" charset="0"/>
                           <a:cs typeface="Times New Roman" panose="02020603050405020304" pitchFamily="18" charset="0"/>
                         </a:rPr>
                         <a:t>Lyer</a:t>
                       </a:r>
-                      <a:endParaRPr lang="en-SG" sz="2800" dirty="0">
+                      <a:endParaRPr lang="en-SG" sz="2800" b="1" dirty="0">
                         <a:latin typeface="Times New Roman" panose="02020603050405020304" pitchFamily="18" charset="0"/>
                         <a:cs typeface="Times New Roman" panose="02020603050405020304" pitchFamily="18" charset="0"/>
                       </a:endParaRPr>
@@ -3836,7 +4150,7 @@
                     <a:p>
                       <a:pPr algn="ctr"/>
                       <a:r>
-                        <a:rPr lang="en-SG" sz="2800" dirty="0">
+                        <a:rPr lang="en-SG" sz="2800" b="1" dirty="0">
                           <a:latin typeface="Times New Roman" panose="02020603050405020304" pitchFamily="18" charset="0"/>
                           <a:cs typeface="Times New Roman" panose="02020603050405020304" pitchFamily="18" charset="0"/>
                         </a:rPr>
@@ -3845,6 +4159,31 @@
                     </a:p>
                   </a:txBody>
                   <a:tcPr anchor="ctr">
+                    <a:lnR w="12700" cap="flat" cmpd="sng" algn="ctr">
+                      <a:noFill/>
+                      <a:prstDash val="solid"/>
+                      <a:round/>
+                      <a:headEnd type="none" w="med" len="med"/>
+                      <a:tailEnd type="none" w="med" len="med"/>
+                    </a:lnR>
+                    <a:lnT w="12700" cap="flat" cmpd="sng" algn="ctr">
+                      <a:solidFill>
+                        <a:schemeClr val="tx1"/>
+                      </a:solidFill>
+                      <a:prstDash val="solid"/>
+                      <a:round/>
+                      <a:headEnd type="none" w="med" len="med"/>
+                      <a:tailEnd type="none" w="med" len="med"/>
+                    </a:lnT>
+                    <a:lnB w="12700" cap="flat" cmpd="sng" algn="ctr">
+                      <a:solidFill>
+                        <a:schemeClr val="tx1"/>
+                      </a:solidFill>
+                      <a:prstDash val="solid"/>
+                      <a:round/>
+                      <a:headEnd type="none" w="med" len="med"/>
+                      <a:tailEnd type="none" w="med" len="med"/>
+                    </a:lnB>
                     <a:solidFill>
                       <a:schemeClr val="bg1"/>
                     </a:solidFill>
@@ -3859,6 +4198,38 @@
                     </a:p>
                   </a:txBody>
                   <a:tcPr>
+                    <a:lnL w="12700" cap="flat" cmpd="sng" algn="ctr">
+                      <a:noFill/>
+                      <a:prstDash val="solid"/>
+                      <a:round/>
+                      <a:headEnd type="none" w="med" len="med"/>
+                      <a:tailEnd type="none" w="med" len="med"/>
+                    </a:lnL>
+                    <a:lnR w="12700" cap="flat" cmpd="sng" algn="ctr">
+                      <a:noFill/>
+                      <a:prstDash val="solid"/>
+                      <a:round/>
+                      <a:headEnd type="none" w="med" len="med"/>
+                      <a:tailEnd type="none" w="med" len="med"/>
+                    </a:lnR>
+                    <a:lnT w="12700" cap="flat" cmpd="sng" algn="ctr">
+                      <a:solidFill>
+                        <a:schemeClr val="tx1"/>
+                      </a:solidFill>
+                      <a:prstDash val="solid"/>
+                      <a:round/>
+                      <a:headEnd type="none" w="med" len="med"/>
+                      <a:tailEnd type="none" w="med" len="med"/>
+                    </a:lnT>
+                    <a:lnB w="12700" cap="flat" cmpd="sng" algn="ctr">
+                      <a:solidFill>
+                        <a:schemeClr val="tx1"/>
+                      </a:solidFill>
+                      <a:prstDash val="solid"/>
+                      <a:round/>
+                      <a:headEnd type="none" w="med" len="med"/>
+                      <a:tailEnd type="none" w="med" len="med"/>
+                    </a:lnB>
                     <a:solidFill>
                       <a:schemeClr val="bg1"/>
                     </a:solidFill>
@@ -3885,7 +4256,7 @@
                           <a:ea typeface="+mn-ea"/>
                           <a:cs typeface="Times New Roman" panose="02020603050405020304" pitchFamily="18" charset="0"/>
                         </a:rPr>
-                        <a:t>Which red line is longer?</a:t>
+                        <a:t>    Which red line is longer?</a:t>
                       </a:r>
                       <a:endParaRPr lang="en-SG" dirty="0">
                         <a:latin typeface="Times New Roman" panose="02020603050405020304" pitchFamily="18" charset="0"/>
@@ -3894,6 +4265,38 @@
                     </a:p>
                   </a:txBody>
                   <a:tcPr>
+                    <a:lnL w="12700" cap="flat" cmpd="sng" algn="ctr">
+                      <a:noFill/>
+                      <a:prstDash val="solid"/>
+                      <a:round/>
+                      <a:headEnd type="none" w="med" len="med"/>
+                      <a:tailEnd type="none" w="med" len="med"/>
+                    </a:lnL>
+                    <a:lnR w="12700" cap="flat" cmpd="sng" algn="ctr">
+                      <a:noFill/>
+                      <a:prstDash val="solid"/>
+                      <a:round/>
+                      <a:headEnd type="none" w="med" len="med"/>
+                      <a:tailEnd type="none" w="med" len="med"/>
+                    </a:lnR>
+                    <a:lnT w="12700" cap="flat" cmpd="sng" algn="ctr">
+                      <a:solidFill>
+                        <a:schemeClr val="tx1"/>
+                      </a:solidFill>
+                      <a:prstDash val="solid"/>
+                      <a:round/>
+                      <a:headEnd type="none" w="med" len="med"/>
+                      <a:tailEnd type="none" w="med" len="med"/>
+                    </a:lnT>
+                    <a:lnB w="12700" cap="flat" cmpd="sng" algn="ctr">
+                      <a:solidFill>
+                        <a:schemeClr val="tx1"/>
+                      </a:solidFill>
+                      <a:prstDash val="solid"/>
+                      <a:round/>
+                      <a:headEnd type="none" w="med" len="med"/>
+                      <a:tailEnd type="none" w="med" len="med"/>
+                    </a:lnB>
                     <a:solidFill>
                       <a:schemeClr val="bg1"/>
                     </a:solidFill>
@@ -3935,6 +4338,31 @@
                     </a:p>
                   </a:txBody>
                   <a:tcPr>
+                    <a:lnL w="12700" cap="flat" cmpd="sng" algn="ctr">
+                      <a:noFill/>
+                      <a:prstDash val="solid"/>
+                      <a:round/>
+                      <a:headEnd type="none" w="med" len="med"/>
+                      <a:tailEnd type="none" w="med" len="med"/>
+                    </a:lnL>
+                    <a:lnT w="12700" cap="flat" cmpd="sng" algn="ctr">
+                      <a:solidFill>
+                        <a:schemeClr val="tx1"/>
+                      </a:solidFill>
+                      <a:prstDash val="solid"/>
+                      <a:round/>
+                      <a:headEnd type="none" w="med" len="med"/>
+                      <a:tailEnd type="none" w="med" len="med"/>
+                    </a:lnT>
+                    <a:lnB w="12700" cap="flat" cmpd="sng" algn="ctr">
+                      <a:solidFill>
+                        <a:schemeClr val="tx1"/>
+                      </a:solidFill>
+                      <a:prstDash val="solid"/>
+                      <a:round/>
+                      <a:headEnd type="none" w="med" len="med"/>
+                      <a:tailEnd type="none" w="med" len="med"/>
+                    </a:lnB>
                     <a:solidFill>
                       <a:schemeClr val="bg1"/>
                     </a:solidFill>
@@ -3946,7 +4374,7 @@
                   </a:ext>
                 </a:extLst>
               </a:tr>
-              <a:tr h="2017756">
+              <a:tr h="2095881">
                 <a:tc>
                   <a:txBody>
                     <a:bodyPr/>
@@ -3954,14 +4382,14 @@
                     <a:p>
                       <a:pPr algn="ctr"/>
                       <a:r>
-                        <a:rPr lang="en-SG" sz="2800" dirty="0" err="1">
+                        <a:rPr lang="en-SG" sz="2800" b="1" dirty="0" err="1">
                           <a:latin typeface="Times New Roman" panose="02020603050405020304" pitchFamily="18" charset="0"/>
                           <a:cs typeface="Times New Roman" panose="02020603050405020304" pitchFamily="18" charset="0"/>
                         </a:rPr>
                         <a:t>Ponzo</a:t>
                       </a:r>
                       <a:r>
-                        <a:rPr lang="en-SG" sz="2800" dirty="0">
+                        <a:rPr lang="en-SG" sz="2800" b="1" dirty="0">
                           <a:latin typeface="Times New Roman" panose="02020603050405020304" pitchFamily="18" charset="0"/>
                           <a:cs typeface="Times New Roman" panose="02020603050405020304" pitchFamily="18" charset="0"/>
                         </a:rPr>
@@ -3970,6 +4398,31 @@
                     </a:p>
                   </a:txBody>
                   <a:tcPr anchor="ctr">
+                    <a:lnR w="12700" cap="flat" cmpd="sng" algn="ctr">
+                      <a:noFill/>
+                      <a:prstDash val="solid"/>
+                      <a:round/>
+                      <a:headEnd type="none" w="med" len="med"/>
+                      <a:tailEnd type="none" w="med" len="med"/>
+                    </a:lnR>
+                    <a:lnT w="12700" cap="flat" cmpd="sng" algn="ctr">
+                      <a:solidFill>
+                        <a:schemeClr val="tx1"/>
+                      </a:solidFill>
+                      <a:prstDash val="solid"/>
+                      <a:round/>
+                      <a:headEnd type="none" w="med" len="med"/>
+                      <a:tailEnd type="none" w="med" len="med"/>
+                    </a:lnT>
+                    <a:lnB w="12700" cap="flat" cmpd="sng" algn="ctr">
+                      <a:solidFill>
+                        <a:schemeClr val="tx1"/>
+                      </a:solidFill>
+                      <a:prstDash val="solid"/>
+                      <a:round/>
+                      <a:headEnd type="none" w="med" len="med"/>
+                      <a:tailEnd type="none" w="med" len="med"/>
+                    </a:lnB>
                     <a:solidFill>
                       <a:schemeClr val="bg1"/>
                     </a:solidFill>
@@ -3984,6 +4437,38 @@
                     </a:p>
                   </a:txBody>
                   <a:tcPr>
+                    <a:lnL w="12700" cap="flat" cmpd="sng" algn="ctr">
+                      <a:noFill/>
+                      <a:prstDash val="solid"/>
+                      <a:round/>
+                      <a:headEnd type="none" w="med" len="med"/>
+                      <a:tailEnd type="none" w="med" len="med"/>
+                    </a:lnL>
+                    <a:lnR w="12700" cap="flat" cmpd="sng" algn="ctr">
+                      <a:noFill/>
+                      <a:prstDash val="solid"/>
+                      <a:round/>
+                      <a:headEnd type="none" w="med" len="med"/>
+                      <a:tailEnd type="none" w="med" len="med"/>
+                    </a:lnR>
+                    <a:lnT w="12700" cap="flat" cmpd="sng" algn="ctr">
+                      <a:solidFill>
+                        <a:schemeClr val="tx1"/>
+                      </a:solidFill>
+                      <a:prstDash val="solid"/>
+                      <a:round/>
+                      <a:headEnd type="none" w="med" len="med"/>
+                      <a:tailEnd type="none" w="med" len="med"/>
+                    </a:lnT>
+                    <a:lnB w="12700" cap="flat" cmpd="sng" algn="ctr">
+                      <a:solidFill>
+                        <a:schemeClr val="tx1"/>
+                      </a:solidFill>
+                      <a:prstDash val="solid"/>
+                      <a:round/>
+                      <a:headEnd type="none" w="med" len="med"/>
+                      <a:tailEnd type="none" w="med" len="med"/>
+                    </a:lnB>
                     <a:solidFill>
                       <a:schemeClr val="bg1"/>
                     </a:solidFill>
@@ -4010,7 +4495,7 @@
                           <a:ea typeface="+mn-ea"/>
                           <a:cs typeface="Times New Roman" panose="02020603050405020304" pitchFamily="18" charset="0"/>
                         </a:rPr>
-                        <a:t>Which red line is longer?</a:t>
+                        <a:t>    Which red line is longer?</a:t>
                       </a:r>
                       <a:endParaRPr lang="en-SG" dirty="0">
                         <a:latin typeface="Times New Roman" panose="02020603050405020304" pitchFamily="18" charset="0"/>
@@ -4019,6 +4504,38 @@
                     </a:p>
                   </a:txBody>
                   <a:tcPr>
+                    <a:lnL w="12700" cap="flat" cmpd="sng" algn="ctr">
+                      <a:noFill/>
+                      <a:prstDash val="solid"/>
+                      <a:round/>
+                      <a:headEnd type="none" w="med" len="med"/>
+                      <a:tailEnd type="none" w="med" len="med"/>
+                    </a:lnL>
+                    <a:lnR w="12700" cap="flat" cmpd="sng" algn="ctr">
+                      <a:noFill/>
+                      <a:prstDash val="solid"/>
+                      <a:round/>
+                      <a:headEnd type="none" w="med" len="med"/>
+                      <a:tailEnd type="none" w="med" len="med"/>
+                    </a:lnR>
+                    <a:lnT w="12700" cap="flat" cmpd="sng" algn="ctr">
+                      <a:solidFill>
+                        <a:schemeClr val="tx1"/>
+                      </a:solidFill>
+                      <a:prstDash val="solid"/>
+                      <a:round/>
+                      <a:headEnd type="none" w="med" len="med"/>
+                      <a:tailEnd type="none" w="med" len="med"/>
+                    </a:lnT>
+                    <a:lnB w="12700" cap="flat" cmpd="sng" algn="ctr">
+                      <a:solidFill>
+                        <a:schemeClr val="tx1"/>
+                      </a:solidFill>
+                      <a:prstDash val="solid"/>
+                      <a:round/>
+                      <a:headEnd type="none" w="med" len="med"/>
+                      <a:tailEnd type="none" w="med" len="med"/>
+                    </a:lnB>
                     <a:solidFill>
                       <a:schemeClr val="bg1"/>
                     </a:solidFill>
@@ -4043,6 +4560,31 @@
                     </a:p>
                   </a:txBody>
                   <a:tcPr>
+                    <a:lnL w="12700" cap="flat" cmpd="sng" algn="ctr">
+                      <a:noFill/>
+                      <a:prstDash val="solid"/>
+                      <a:round/>
+                      <a:headEnd type="none" w="med" len="med"/>
+                      <a:tailEnd type="none" w="med" len="med"/>
+                    </a:lnL>
+                    <a:lnT w="12700" cap="flat" cmpd="sng" algn="ctr">
+                      <a:solidFill>
+                        <a:schemeClr val="tx1"/>
+                      </a:solidFill>
+                      <a:prstDash val="solid"/>
+                      <a:round/>
+                      <a:headEnd type="none" w="med" len="med"/>
+                      <a:tailEnd type="none" w="med" len="med"/>
+                    </a:lnT>
+                    <a:lnB w="12700" cap="flat" cmpd="sng" algn="ctr">
+                      <a:solidFill>
+                        <a:schemeClr val="tx1"/>
+                      </a:solidFill>
+                      <a:prstDash val="solid"/>
+                      <a:round/>
+                      <a:headEnd type="none" w="med" len="med"/>
+                      <a:tailEnd type="none" w="med" len="med"/>
+                    </a:lnB>
                     <a:solidFill>
                       <a:schemeClr val="bg1"/>
                     </a:solidFill>
@@ -4054,7 +4596,7 @@
                   </a:ext>
                 </a:extLst>
               </a:tr>
-              <a:tr h="2185478">
+              <a:tr h="2195963">
                 <a:tc>
                   <a:txBody>
                     <a:bodyPr/>
@@ -4062,7 +4604,7 @@
                     <a:p>
                       <a:pPr algn="ctr"/>
                       <a:r>
-                        <a:rPr lang="en-SG" sz="2800" dirty="0">
+                        <a:rPr lang="en-SG" sz="2800" b="1" dirty="0">
                           <a:latin typeface="Times New Roman" panose="02020603050405020304" pitchFamily="18" charset="0"/>
                           <a:cs typeface="Times New Roman" panose="02020603050405020304" pitchFamily="18" charset="0"/>
                         </a:rPr>
@@ -4071,6 +4613,31 @@
                     </a:p>
                   </a:txBody>
                   <a:tcPr anchor="ctr">
+                    <a:lnR w="12700" cap="flat" cmpd="sng" algn="ctr">
+                      <a:noFill/>
+                      <a:prstDash val="solid"/>
+                      <a:round/>
+                      <a:headEnd type="none" w="med" len="med"/>
+                      <a:tailEnd type="none" w="med" len="med"/>
+                    </a:lnR>
+                    <a:lnT w="12700" cap="flat" cmpd="sng" algn="ctr">
+                      <a:solidFill>
+                        <a:schemeClr val="tx1"/>
+                      </a:solidFill>
+                      <a:prstDash val="solid"/>
+                      <a:round/>
+                      <a:headEnd type="none" w="med" len="med"/>
+                      <a:tailEnd type="none" w="med" len="med"/>
+                    </a:lnT>
+                    <a:lnB w="12700" cap="flat" cmpd="sng" algn="ctr">
+                      <a:solidFill>
+                        <a:schemeClr val="tx1"/>
+                      </a:solidFill>
+                      <a:prstDash val="solid"/>
+                      <a:round/>
+                      <a:headEnd type="none" w="med" len="med"/>
+                      <a:tailEnd type="none" w="med" len="med"/>
+                    </a:lnB>
                     <a:solidFill>
                       <a:schemeClr val="bg1"/>
                     </a:solidFill>
@@ -4085,6 +4652,370 @@
                     </a:p>
                   </a:txBody>
                   <a:tcPr>
+                    <a:lnL w="12700" cap="flat" cmpd="sng" algn="ctr">
+                      <a:noFill/>
+                      <a:prstDash val="solid"/>
+                      <a:round/>
+                      <a:headEnd type="none" w="med" len="med"/>
+                      <a:tailEnd type="none" w="med" len="med"/>
+                    </a:lnL>
+                    <a:lnR w="12700" cap="flat" cmpd="sng" algn="ctr">
+                      <a:noFill/>
+                      <a:prstDash val="solid"/>
+                      <a:round/>
+                      <a:headEnd type="none" w="med" len="med"/>
+                      <a:tailEnd type="none" w="med" len="med"/>
+                    </a:lnR>
+                    <a:lnT w="12700" cap="flat" cmpd="sng" algn="ctr">
+                      <a:solidFill>
+                        <a:schemeClr val="tx1"/>
+                      </a:solidFill>
+                      <a:prstDash val="solid"/>
+                      <a:round/>
+                      <a:headEnd type="none" w="med" len="med"/>
+                      <a:tailEnd type="none" w="med" len="med"/>
+                    </a:lnT>
+                    <a:lnB w="12700" cap="flat" cmpd="sng" algn="ctr">
+                      <a:solidFill>
+                        <a:schemeClr val="tx1"/>
+                      </a:solidFill>
+                      <a:prstDash val="solid"/>
+                      <a:round/>
+                      <a:headEnd type="none" w="med" len="med"/>
+                      <a:tailEnd type="none" w="med" len="med"/>
+                    </a:lnB>
+                    <a:solidFill>
+                      <a:schemeClr val="bg1"/>
+                    </a:solidFill>
+                  </a:tcPr>
+                </a:tc>
+                <a:tc>
+                  <a:txBody>
+                    <a:bodyPr/>
+                    <a:lstStyle/>
+                    <a:p>
+                      <a:pPr marL="0" marR="0" lvl="0" indent="0" algn="ctr" defTabSz="1800088" rtl="0" eaLnBrk="1" fontAlgn="auto" latinLnBrk="0" hangingPunct="1">
+                        <a:lnSpc>
+                          <a:spcPct val="100000"/>
+                        </a:lnSpc>
+                        <a:spcBef>
+                          <a:spcPts val="0"/>
+                        </a:spcBef>
+                        <a:spcAft>
+                          <a:spcPts val="0"/>
+                        </a:spcAft>
+                        <a:buClrTx/>
+                        <a:buSzTx/>
+                        <a:buFontTx/>
+                        <a:buNone/>
+                        <a:tabLst/>
+                        <a:defRPr/>
+                      </a:pPr>
+                      <a:r>
+                        <a:rPr kumimoji="0" lang="en-US" sz="2500" b="0" i="0" u="none" strike="noStrike" kern="1200" cap="none" spc="0" normalizeH="0" baseline="0" noProof="0" dirty="0">
+                          <a:ln>
+                            <a:noFill/>
+                          </a:ln>
+                          <a:solidFill>
+                            <a:prstClr val="black"/>
+                          </a:solidFill>
+                          <a:effectLst/>
+                          <a:uLnTx/>
+                          <a:uFillTx/>
+                          <a:latin typeface="Times New Roman" panose="02020603050405020304" pitchFamily="18" charset="0"/>
+                          <a:ea typeface="+mn-ea"/>
+                          <a:cs typeface="Times New Roman" panose="02020603050405020304" pitchFamily="18" charset="0"/>
+                        </a:rPr>
+                        <a:t>    </a:t>
+                      </a:r>
+                    </a:p>
+                    <a:p>
+                      <a:pPr marL="0" marR="0" lvl="0" indent="0" algn="ctr" defTabSz="1800088" rtl="0" eaLnBrk="1" fontAlgn="auto" latinLnBrk="0" hangingPunct="1">
+                        <a:lnSpc>
+                          <a:spcPct val="100000"/>
+                        </a:lnSpc>
+                        <a:spcBef>
+                          <a:spcPts val="0"/>
+                        </a:spcBef>
+                        <a:spcAft>
+                          <a:spcPts val="0"/>
+                        </a:spcAft>
+                        <a:buClrTx/>
+                        <a:buSzTx/>
+                        <a:buFontTx/>
+                        <a:buNone/>
+                        <a:tabLst/>
+                        <a:defRPr/>
+                      </a:pPr>
+                      <a:r>
+                        <a:rPr kumimoji="0" lang="en-US" sz="2500" b="0" i="0" u="none" strike="noStrike" kern="1200" cap="none" spc="0" normalizeH="0" baseline="0" noProof="0" dirty="0">
+                          <a:ln>
+                            <a:noFill/>
+                          </a:ln>
+                          <a:solidFill>
+                            <a:prstClr val="black"/>
+                          </a:solidFill>
+                          <a:effectLst/>
+                          <a:uLnTx/>
+                          <a:uFillTx/>
+                          <a:latin typeface="Times New Roman" panose="02020603050405020304" pitchFamily="18" charset="0"/>
+                          <a:ea typeface="+mn-ea"/>
+                          <a:cs typeface="Times New Roman" panose="02020603050405020304" pitchFamily="18" charset="0"/>
+                        </a:rPr>
+                        <a:t>    Which red line is   longer?</a:t>
+                      </a:r>
+                      <a:endParaRPr kumimoji="0" lang="en-SG" sz="3543" b="0" i="0" u="none" strike="noStrike" kern="1200" cap="none" spc="0" normalizeH="0" baseline="0" noProof="0" dirty="0">
+                        <a:ln>
+                          <a:noFill/>
+                        </a:ln>
+                        <a:solidFill>
+                          <a:prstClr val="black"/>
+                        </a:solidFill>
+                        <a:effectLst/>
+                        <a:uLnTx/>
+                        <a:uFillTx/>
+                        <a:latin typeface="Times New Roman" panose="02020603050405020304" pitchFamily="18" charset="0"/>
+                        <a:ea typeface="+mn-ea"/>
+                        <a:cs typeface="Times New Roman" panose="02020603050405020304" pitchFamily="18" charset="0"/>
+                      </a:endParaRPr>
+                    </a:p>
+                  </a:txBody>
+                  <a:tcPr>
+                    <a:lnL w="12700" cap="flat" cmpd="sng" algn="ctr">
+                      <a:noFill/>
+                      <a:prstDash val="solid"/>
+                      <a:round/>
+                      <a:headEnd type="none" w="med" len="med"/>
+                      <a:tailEnd type="none" w="med" len="med"/>
+                    </a:lnL>
+                    <a:lnR w="12700" cap="flat" cmpd="sng" algn="ctr">
+                      <a:noFill/>
+                      <a:prstDash val="solid"/>
+                      <a:round/>
+                      <a:headEnd type="none" w="med" len="med"/>
+                      <a:tailEnd type="none" w="med" len="med"/>
+                    </a:lnR>
+                    <a:lnT w="12700" cap="flat" cmpd="sng" algn="ctr">
+                      <a:solidFill>
+                        <a:schemeClr val="tx1"/>
+                      </a:solidFill>
+                      <a:prstDash val="solid"/>
+                      <a:round/>
+                      <a:headEnd type="none" w="med" len="med"/>
+                      <a:tailEnd type="none" w="med" len="med"/>
+                    </a:lnT>
+                    <a:lnB w="12700" cap="flat" cmpd="sng" algn="ctr">
+                      <a:solidFill>
+                        <a:schemeClr val="tx1"/>
+                      </a:solidFill>
+                      <a:prstDash val="solid"/>
+                      <a:round/>
+                      <a:headEnd type="none" w="med" len="med"/>
+                      <a:tailEnd type="none" w="med" len="med"/>
+                    </a:lnB>
+                    <a:solidFill>
+                      <a:schemeClr val="bg1"/>
+                    </a:solidFill>
+                  </a:tcPr>
+                </a:tc>
+                <a:tc>
+                  <a:txBody>
+                    <a:bodyPr/>
+                    <a:lstStyle/>
+                    <a:p>
+                      <a:pPr marL="0" marR="0" lvl="0" indent="0" algn="l" defTabSz="1800088" rtl="0" eaLnBrk="1" fontAlgn="auto" latinLnBrk="0" hangingPunct="1">
+                        <a:lnSpc>
+                          <a:spcPct val="100000"/>
+                        </a:lnSpc>
+                        <a:spcBef>
+                          <a:spcPts val="0"/>
+                        </a:spcBef>
+                        <a:spcAft>
+                          <a:spcPts val="0"/>
+                        </a:spcAft>
+                        <a:buClrTx/>
+                        <a:buSzTx/>
+                        <a:buFontTx/>
+                        <a:buNone/>
+                        <a:tabLst/>
+                        <a:defRPr/>
+                      </a:pPr>
+                      <a:r>
+                        <a:rPr lang="en-US" sz="2500" dirty="0">
+                          <a:latin typeface="Times New Roman" panose="02020603050405020304" pitchFamily="18" charset="0"/>
+                          <a:cs typeface="Times New Roman" panose="02020603050405020304" pitchFamily="18" charset="0"/>
+                        </a:rPr>
+                        <a:t>Involves two equal-length line segments; one presented vertically and the other horizontally. The length of the vertical line is usually perceived to be longer, relative to that of the horizontal line</a:t>
+                      </a:r>
+                    </a:p>
+                  </a:txBody>
+                  <a:tcPr>
+                    <a:lnL w="12700" cap="flat" cmpd="sng" algn="ctr">
+                      <a:noFill/>
+                      <a:prstDash val="solid"/>
+                      <a:round/>
+                      <a:headEnd type="none" w="med" len="med"/>
+                      <a:tailEnd type="none" w="med" len="med"/>
+                    </a:lnL>
+                    <a:lnT w="12700" cap="flat" cmpd="sng" algn="ctr">
+                      <a:solidFill>
+                        <a:schemeClr val="tx1"/>
+                      </a:solidFill>
+                      <a:prstDash val="solid"/>
+                      <a:round/>
+                      <a:headEnd type="none" w="med" len="med"/>
+                      <a:tailEnd type="none" w="med" len="med"/>
+                    </a:lnT>
+                    <a:lnB w="12700" cap="flat" cmpd="sng" algn="ctr">
+                      <a:solidFill>
+                        <a:schemeClr val="tx1"/>
+                      </a:solidFill>
+                      <a:prstDash val="solid"/>
+                      <a:round/>
+                      <a:headEnd type="none" w="med" len="med"/>
+                      <a:tailEnd type="none" w="med" len="med"/>
+                    </a:lnB>
+                    <a:solidFill>
+                      <a:schemeClr val="bg1"/>
+                    </a:solidFill>
+                  </a:tcPr>
+                </a:tc>
+                <a:extLst>
+                  <a:ext uri="{0D108BD9-81ED-4DB2-BD59-A6C34878D82A}">
+                    <a16:rowId xmlns:a16="http://schemas.microsoft.com/office/drawing/2014/main" val="2577089915"/>
+                  </a:ext>
+                </a:extLst>
+              </a:tr>
+              <a:tr h="2598812">
+                <a:tc>
+                  <a:txBody>
+                    <a:bodyPr/>
+                    <a:lstStyle/>
+                    <a:p>
+                      <a:pPr marL="0" marR="0" lvl="0" indent="0" algn="ctr" defTabSz="1800088" rtl="0" eaLnBrk="1" fontAlgn="auto" latinLnBrk="0" hangingPunct="1">
+                        <a:lnSpc>
+                          <a:spcPct val="100000"/>
+                        </a:lnSpc>
+                        <a:spcBef>
+                          <a:spcPts val="0"/>
+                        </a:spcBef>
+                        <a:spcAft>
+                          <a:spcPts val="0"/>
+                        </a:spcAft>
+                        <a:buClrTx/>
+                        <a:buSzTx/>
+                        <a:buFontTx/>
+                        <a:buNone/>
+                        <a:tabLst/>
+                        <a:defRPr/>
+                      </a:pPr>
+                      <a:r>
+                        <a:rPr lang="en-SG" sz="2800" b="1" dirty="0" err="1">
+                          <a:latin typeface="Times New Roman" panose="02020603050405020304" pitchFamily="18" charset="0"/>
+                          <a:cs typeface="Times New Roman" panose="02020603050405020304" pitchFamily="18" charset="0"/>
+                        </a:rPr>
+                        <a:t>Z</a:t>
+                      </a:r>
+                      <a:r>
+                        <a:rPr lang="en-SG" sz="2800" b="1" i="0" kern="1200" dirty="0" err="1">
+                          <a:solidFill>
+                            <a:schemeClr val="dk1"/>
+                          </a:solidFill>
+                          <a:effectLst/>
+                          <a:latin typeface="Times New Roman" panose="02020603050405020304" pitchFamily="18" charset="0"/>
+                          <a:ea typeface="+mn-ea"/>
+                          <a:cs typeface="Times New Roman" panose="02020603050405020304" pitchFamily="18" charset="0"/>
+                        </a:rPr>
+                        <a:t>ö</a:t>
+                      </a:r>
+                      <a:r>
+                        <a:rPr lang="en-SG" sz="2800" b="1" dirty="0" err="1">
+                          <a:latin typeface="Times New Roman" panose="02020603050405020304" pitchFamily="18" charset="0"/>
+                          <a:cs typeface="Times New Roman" panose="02020603050405020304" pitchFamily="18" charset="0"/>
+                        </a:rPr>
+                        <a:t>llner</a:t>
+                      </a:r>
+                      <a:r>
+                        <a:rPr lang="en-SG" sz="2800" b="1" dirty="0">
+                          <a:latin typeface="Times New Roman" panose="02020603050405020304" pitchFamily="18" charset="0"/>
+                          <a:cs typeface="Times New Roman" panose="02020603050405020304" pitchFamily="18" charset="0"/>
+                        </a:rPr>
+                        <a:t> Illusion</a:t>
+                      </a:r>
+                    </a:p>
+                  </a:txBody>
+                  <a:tcPr anchor="ctr">
+                    <a:lnR w="12700" cap="flat" cmpd="sng" algn="ctr">
+                      <a:noFill/>
+                      <a:prstDash val="solid"/>
+                      <a:round/>
+                      <a:headEnd type="none" w="med" len="med"/>
+                      <a:tailEnd type="none" w="med" len="med"/>
+                    </a:lnR>
+                    <a:lnT w="12700" cap="flat" cmpd="sng" algn="ctr">
+                      <a:solidFill>
+                        <a:schemeClr val="tx1"/>
+                      </a:solidFill>
+                      <a:prstDash val="solid"/>
+                      <a:round/>
+                      <a:headEnd type="none" w="med" len="med"/>
+                      <a:tailEnd type="none" w="med" len="med"/>
+                    </a:lnT>
+                    <a:lnB w="12700" cap="flat" cmpd="sng" algn="ctr">
+                      <a:solidFill>
+                        <a:schemeClr val="tx1"/>
+                      </a:solidFill>
+                      <a:prstDash val="solid"/>
+                      <a:round/>
+                      <a:headEnd type="none" w="med" len="med"/>
+                      <a:tailEnd type="none" w="med" len="med"/>
+                    </a:lnB>
+                    <a:solidFill>
+                      <a:schemeClr val="bg1"/>
+                    </a:solidFill>
+                  </a:tcPr>
+                </a:tc>
+                <a:tc>
+                  <a:txBody>
+                    <a:bodyPr/>
+                    <a:lstStyle/>
+                    <a:p>
+                      <a:endParaRPr lang="en-SG" dirty="0"/>
+                    </a:p>
+                  </a:txBody>
+                  <a:tcPr>
+                    <a:lnL w="12700" cap="flat" cmpd="sng" algn="ctr">
+                      <a:noFill/>
+                      <a:prstDash val="solid"/>
+                      <a:round/>
+                      <a:headEnd type="none" w="med" len="med"/>
+                      <a:tailEnd type="none" w="med" len="med"/>
+                    </a:lnL>
+                    <a:lnR w="12700" cap="flat" cmpd="sng" algn="ctr">
+                      <a:noFill/>
+                      <a:prstDash val="solid"/>
+                      <a:round/>
+                      <a:headEnd type="none" w="med" len="med"/>
+                      <a:tailEnd type="none" w="med" len="med"/>
+                    </a:lnR>
+                    <a:lnT w="12700" cap="flat" cmpd="sng" algn="ctr">
+                      <a:solidFill>
+                        <a:schemeClr val="tx1"/>
+                      </a:solidFill>
+                      <a:prstDash val="solid"/>
+                      <a:round/>
+                      <a:headEnd type="none" w="med" len="med"/>
+                      <a:tailEnd type="none" w="med" len="med"/>
+                    </a:lnT>
+                    <a:lnB w="12700" cap="flat" cmpd="sng" algn="ctr">
+                      <a:solidFill>
+                        <a:schemeClr val="tx1"/>
+                      </a:solidFill>
+                      <a:prstDash val="solid"/>
+                      <a:round/>
+                      <a:headEnd type="none" w="med" len="med"/>
+                      <a:tailEnd type="none" w="med" len="med"/>
+                    </a:lnB>
                     <a:solidFill>
                       <a:schemeClr val="bg1"/>
                     </a:solidFill>
@@ -4160,7 +5091,7 @@
                           <a:ea typeface="+mn-ea"/>
                           <a:cs typeface="Times New Roman" panose="02020603050405020304" pitchFamily="18" charset="0"/>
                         </a:rPr>
-                        <a:t>Which red line is longer?</a:t>
+                        <a:t>      Which direction are the red lines converging towards?</a:t>
                       </a:r>
                       <a:endParaRPr kumimoji="0" lang="en-SG" sz="3543" b="0" i="0" u="none" strike="noStrike" kern="1200" cap="none" spc="0" normalizeH="0" baseline="0" noProof="0" dirty="0">
                         <a:ln>
@@ -4178,6 +5109,7 @@
                       </a:endParaRPr>
                     </a:p>
                     <a:p>
+                      <a:pPr algn="ctr"/>
                       <a:endParaRPr lang="en-SG" dirty="0">
                         <a:latin typeface="Times New Roman" panose="02020603050405020304" pitchFamily="18" charset="0"/>
                         <a:cs typeface="Times New Roman" panose="02020603050405020304" pitchFamily="18" charset="0"/>
@@ -4185,227 +5117,38 @@
                     </a:p>
                   </a:txBody>
                   <a:tcPr>
-                    <a:solidFill>
-                      <a:schemeClr val="bg1"/>
-                    </a:solidFill>
-                  </a:tcPr>
-                </a:tc>
-                <a:tc>
-                  <a:txBody>
-                    <a:bodyPr/>
-                    <a:lstStyle/>
-                    <a:p>
-                      <a:pPr marL="0" marR="0" lvl="0" indent="0" algn="l" defTabSz="1800088" rtl="0" eaLnBrk="1" fontAlgn="auto" latinLnBrk="0" hangingPunct="1">
-                        <a:lnSpc>
-                          <a:spcPct val="100000"/>
-                        </a:lnSpc>
-                        <a:spcBef>
-                          <a:spcPts val="0"/>
-                        </a:spcBef>
-                        <a:spcAft>
-                          <a:spcPts val="0"/>
-                        </a:spcAft>
-                        <a:buClrTx/>
-                        <a:buSzTx/>
-                        <a:buFontTx/>
-                        <a:buNone/>
-                        <a:tabLst/>
-                        <a:defRPr/>
-                      </a:pPr>
-                      <a:r>
-                        <a:rPr lang="en-US" sz="2500" dirty="0">
-                          <a:latin typeface="Times New Roman" panose="02020603050405020304" pitchFamily="18" charset="0"/>
-                          <a:cs typeface="Times New Roman" panose="02020603050405020304" pitchFamily="18" charset="0"/>
-                        </a:rPr>
-                        <a:t>Involves two equal-length line segments; one presented vertically and the other horizontally. The length of the vertical line is usually perceived to be longer, relative to that of the horizontal line</a:t>
-                      </a:r>
-                    </a:p>
-                  </a:txBody>
-                  <a:tcPr>
-                    <a:solidFill>
-                      <a:schemeClr val="bg1"/>
-                    </a:solidFill>
-                  </a:tcPr>
-                </a:tc>
-                <a:extLst>
-                  <a:ext uri="{0D108BD9-81ED-4DB2-BD59-A6C34878D82A}">
-                    <a16:rowId xmlns:a16="http://schemas.microsoft.com/office/drawing/2014/main" val="2577089915"/>
-                  </a:ext>
-                </a:extLst>
-              </a:tr>
-              <a:tr h="2586404">
-                <a:tc>
-                  <a:txBody>
-                    <a:bodyPr/>
-                    <a:lstStyle/>
-                    <a:p>
-                      <a:pPr marL="0" marR="0" lvl="0" indent="0" algn="ctr" defTabSz="1800088" rtl="0" eaLnBrk="1" fontAlgn="auto" latinLnBrk="0" hangingPunct="1">
-                        <a:lnSpc>
-                          <a:spcPct val="100000"/>
-                        </a:lnSpc>
-                        <a:spcBef>
-                          <a:spcPts val="0"/>
-                        </a:spcBef>
-                        <a:spcAft>
-                          <a:spcPts val="0"/>
-                        </a:spcAft>
-                        <a:buClrTx/>
-                        <a:buSzTx/>
-                        <a:buFontTx/>
-                        <a:buNone/>
-                        <a:tabLst/>
-                        <a:defRPr/>
-                      </a:pPr>
-                      <a:r>
-                        <a:rPr lang="en-SG" sz="2800" dirty="0" err="1">
-                          <a:latin typeface="Times New Roman" panose="02020603050405020304" pitchFamily="18" charset="0"/>
-                          <a:cs typeface="Times New Roman" panose="02020603050405020304" pitchFamily="18" charset="0"/>
-                        </a:rPr>
-                        <a:t>Z</a:t>
-                      </a:r>
-                      <a:r>
-                        <a:rPr lang="en-SG" sz="2800" b="1" i="0" kern="1200" dirty="0" err="1">
-                          <a:solidFill>
-                            <a:schemeClr val="dk1"/>
-                          </a:solidFill>
-                          <a:effectLst/>
-                          <a:latin typeface="Times New Roman" panose="02020603050405020304" pitchFamily="18" charset="0"/>
-                          <a:ea typeface="+mn-ea"/>
-                          <a:cs typeface="Times New Roman" panose="02020603050405020304" pitchFamily="18" charset="0"/>
-                        </a:rPr>
-                        <a:t>ö</a:t>
-                      </a:r>
-                      <a:r>
-                        <a:rPr lang="en-SG" sz="2800" dirty="0" err="1">
-                          <a:latin typeface="Times New Roman" panose="02020603050405020304" pitchFamily="18" charset="0"/>
-                          <a:cs typeface="Times New Roman" panose="02020603050405020304" pitchFamily="18" charset="0"/>
-                        </a:rPr>
-                        <a:t>llner</a:t>
-                      </a:r>
-                      <a:r>
-                        <a:rPr lang="en-SG" sz="2800" dirty="0">
-                          <a:latin typeface="Times New Roman" panose="02020603050405020304" pitchFamily="18" charset="0"/>
-                          <a:cs typeface="Times New Roman" panose="02020603050405020304" pitchFamily="18" charset="0"/>
-                        </a:rPr>
-                        <a:t> Illusion</a:t>
-                      </a:r>
-                    </a:p>
-                  </a:txBody>
-                  <a:tcPr anchor="ctr">
-                    <a:solidFill>
-                      <a:schemeClr val="bg1"/>
-                    </a:solidFill>
-                  </a:tcPr>
-                </a:tc>
-                <a:tc>
-                  <a:txBody>
-                    <a:bodyPr/>
-                    <a:lstStyle/>
-                    <a:p>
-                      <a:endParaRPr lang="en-SG" dirty="0"/>
-                    </a:p>
-                  </a:txBody>
-                  <a:tcPr>
-                    <a:solidFill>
-                      <a:schemeClr val="bg1"/>
-                    </a:solidFill>
-                  </a:tcPr>
-                </a:tc>
-                <a:tc>
-                  <a:txBody>
-                    <a:bodyPr/>
-                    <a:lstStyle/>
-                    <a:p>
-                      <a:pPr marL="0" marR="0" lvl="0" indent="0" algn="ctr" defTabSz="1800088" rtl="0" eaLnBrk="1" fontAlgn="auto" latinLnBrk="0" hangingPunct="1">
-                        <a:lnSpc>
-                          <a:spcPct val="100000"/>
-                        </a:lnSpc>
-                        <a:spcBef>
-                          <a:spcPts val="0"/>
-                        </a:spcBef>
-                        <a:spcAft>
-                          <a:spcPts val="0"/>
-                        </a:spcAft>
-                        <a:buClrTx/>
-                        <a:buSzTx/>
-                        <a:buFontTx/>
-                        <a:buNone/>
-                        <a:tabLst/>
-                        <a:defRPr/>
-                      </a:pPr>
-                      <a:endParaRPr kumimoji="0" lang="en-US" sz="2500" b="0" i="0" u="none" strike="noStrike" kern="1200" cap="none" spc="0" normalizeH="0" baseline="0" noProof="0" dirty="0">
-                        <a:ln>
-                          <a:noFill/>
-                        </a:ln>
-                        <a:solidFill>
-                          <a:prstClr val="black"/>
-                        </a:solidFill>
-                        <a:effectLst/>
-                        <a:uLnTx/>
-                        <a:uFillTx/>
-                        <a:latin typeface="Times New Roman" panose="02020603050405020304" pitchFamily="18" charset="0"/>
-                        <a:ea typeface="+mn-ea"/>
-                        <a:cs typeface="Times New Roman" panose="02020603050405020304" pitchFamily="18" charset="0"/>
-                      </a:endParaRPr>
-                    </a:p>
-                    <a:p>
-                      <a:pPr marL="0" marR="0" lvl="0" indent="0" algn="ctr" defTabSz="1800088" rtl="0" eaLnBrk="1" fontAlgn="auto" latinLnBrk="0" hangingPunct="1">
-                        <a:lnSpc>
-                          <a:spcPct val="100000"/>
-                        </a:lnSpc>
-                        <a:spcBef>
-                          <a:spcPts val="0"/>
-                        </a:spcBef>
-                        <a:spcAft>
-                          <a:spcPts val="0"/>
-                        </a:spcAft>
-                        <a:buClrTx/>
-                        <a:buSzTx/>
-                        <a:buFontTx/>
-                        <a:buNone/>
-                        <a:tabLst/>
-                        <a:defRPr/>
-                      </a:pPr>
-                      <a:r>
-                        <a:rPr kumimoji="0" lang="en-US" sz="2500" b="0" i="0" u="none" strike="noStrike" kern="1200" cap="none" spc="0" normalizeH="0" baseline="0" noProof="0" dirty="0">
-                          <a:ln>
-                            <a:noFill/>
-                          </a:ln>
-                          <a:solidFill>
-                            <a:prstClr val="black"/>
-                          </a:solidFill>
-                          <a:effectLst/>
-                          <a:uLnTx/>
-                          <a:uFillTx/>
-                          <a:latin typeface="Times New Roman" panose="02020603050405020304" pitchFamily="18" charset="0"/>
-                          <a:ea typeface="+mn-ea"/>
-                          <a:cs typeface="Times New Roman" panose="02020603050405020304" pitchFamily="18" charset="0"/>
-                        </a:rPr>
-                        <a:t>Which direction are the red lines pointing?</a:t>
-                      </a:r>
-                      <a:endParaRPr kumimoji="0" lang="en-SG" sz="3543" b="0" i="0" u="none" strike="noStrike" kern="1200" cap="none" spc="0" normalizeH="0" baseline="0" noProof="0" dirty="0">
-                        <a:ln>
-                          <a:noFill/>
-                        </a:ln>
-                        <a:solidFill>
-                          <a:prstClr val="black"/>
-                        </a:solidFill>
-                        <a:effectLst/>
-                        <a:uLnTx/>
-                        <a:uFillTx/>
-                        <a:latin typeface="Times New Roman" panose="02020603050405020304" pitchFamily="18" charset="0"/>
-                        <a:ea typeface="+mn-ea"/>
-                        <a:cs typeface="Times New Roman" panose="02020603050405020304" pitchFamily="18" charset="0"/>
-                      </a:endParaRPr>
-                    </a:p>
-                    <a:p>
-                      <a:endParaRPr lang="en-SG" dirty="0">
-                        <a:latin typeface="Times New Roman" panose="02020603050405020304" pitchFamily="18" charset="0"/>
-                        <a:cs typeface="Times New Roman" panose="02020603050405020304" pitchFamily="18" charset="0"/>
-                      </a:endParaRPr>
-                    </a:p>
-                  </a:txBody>
-                  <a:tcPr>
+                    <a:lnL w="12700" cap="flat" cmpd="sng" algn="ctr">
+                      <a:noFill/>
+                      <a:prstDash val="solid"/>
+                      <a:round/>
+                      <a:headEnd type="none" w="med" len="med"/>
+                      <a:tailEnd type="none" w="med" len="med"/>
+                    </a:lnL>
+                    <a:lnR w="12700" cap="flat" cmpd="sng" algn="ctr">
+                      <a:noFill/>
+                      <a:prstDash val="solid"/>
+                      <a:round/>
+                      <a:headEnd type="none" w="med" len="med"/>
+                      <a:tailEnd type="none" w="med" len="med"/>
+                    </a:lnR>
+                    <a:lnT w="12700" cap="flat" cmpd="sng" algn="ctr">
+                      <a:solidFill>
+                        <a:schemeClr val="tx1"/>
+                      </a:solidFill>
+                      <a:prstDash val="solid"/>
+                      <a:round/>
+                      <a:headEnd type="none" w="med" len="med"/>
+                      <a:tailEnd type="none" w="med" len="med"/>
+                    </a:lnT>
+                    <a:lnB w="12700" cap="flat" cmpd="sng" algn="ctr">
+                      <a:solidFill>
+                        <a:schemeClr val="tx1"/>
+                      </a:solidFill>
+                      <a:prstDash val="solid"/>
+                      <a:round/>
+                      <a:headEnd type="none" w="med" len="med"/>
+                      <a:tailEnd type="none" w="med" len="med"/>
+                    </a:lnB>
                     <a:solidFill>
                       <a:schemeClr val="bg1"/>
                     </a:solidFill>
@@ -4430,6 +5173,31 @@
                     </a:p>
                   </a:txBody>
                   <a:tcPr>
+                    <a:lnL w="12700" cap="flat" cmpd="sng" algn="ctr">
+                      <a:noFill/>
+                      <a:prstDash val="solid"/>
+                      <a:round/>
+                      <a:headEnd type="none" w="med" len="med"/>
+                      <a:tailEnd type="none" w="med" len="med"/>
+                    </a:lnL>
+                    <a:lnT w="12700" cap="flat" cmpd="sng" algn="ctr">
+                      <a:solidFill>
+                        <a:schemeClr val="tx1"/>
+                      </a:solidFill>
+                      <a:prstDash val="solid"/>
+                      <a:round/>
+                      <a:headEnd type="none" w="med" len="med"/>
+                      <a:tailEnd type="none" w="med" len="med"/>
+                    </a:lnT>
+                    <a:lnB w="12700" cap="flat" cmpd="sng" algn="ctr">
+                      <a:solidFill>
+                        <a:schemeClr val="tx1"/>
+                      </a:solidFill>
+                      <a:prstDash val="solid"/>
+                      <a:round/>
+                      <a:headEnd type="none" w="med" len="med"/>
+                      <a:tailEnd type="none" w="med" len="med"/>
+                    </a:lnB>
                     <a:solidFill>
                       <a:schemeClr val="bg1"/>
                     </a:solidFill>
@@ -4441,7 +5209,7 @@
                   </a:ext>
                 </a:extLst>
               </a:tr>
-              <a:tr h="2228710">
+              <a:tr h="2239402">
                 <a:tc>
                   <a:txBody>
                     <a:bodyPr/>
@@ -4449,7 +5217,7 @@
                     <a:p>
                       <a:pPr algn="ctr"/>
                       <a:r>
-                        <a:rPr lang="en-SG" sz="2800" dirty="0">
+                        <a:rPr lang="en-SG" sz="2800" b="1" dirty="0">
                           <a:latin typeface="Times New Roman" panose="02020603050405020304" pitchFamily="18" charset="0"/>
                           <a:cs typeface="Times New Roman" panose="02020603050405020304" pitchFamily="18" charset="0"/>
                         </a:rPr>
@@ -4458,6 +5226,31 @@
                     </a:p>
                   </a:txBody>
                   <a:tcPr anchor="ctr">
+                    <a:lnR w="12700" cap="flat" cmpd="sng" algn="ctr">
+                      <a:noFill/>
+                      <a:prstDash val="solid"/>
+                      <a:round/>
+                      <a:headEnd type="none" w="med" len="med"/>
+                      <a:tailEnd type="none" w="med" len="med"/>
+                    </a:lnR>
+                    <a:lnT w="12700" cap="flat" cmpd="sng" algn="ctr">
+                      <a:solidFill>
+                        <a:schemeClr val="tx1"/>
+                      </a:solidFill>
+                      <a:prstDash val="solid"/>
+                      <a:round/>
+                      <a:headEnd type="none" w="med" len="med"/>
+                      <a:tailEnd type="none" w="med" len="med"/>
+                    </a:lnT>
+                    <a:lnB w="12700" cap="flat" cmpd="sng" algn="ctr">
+                      <a:solidFill>
+                        <a:schemeClr val="tx1"/>
+                      </a:solidFill>
+                      <a:prstDash val="solid"/>
+                      <a:round/>
+                      <a:headEnd type="none" w="med" len="med"/>
+                      <a:tailEnd type="none" w="med" len="med"/>
+                    </a:lnB>
                     <a:solidFill>
                       <a:schemeClr val="bg1"/>
                     </a:solidFill>
@@ -4472,6 +5265,38 @@
                     </a:p>
                   </a:txBody>
                   <a:tcPr>
+                    <a:lnL w="12700" cap="flat" cmpd="sng" algn="ctr">
+                      <a:noFill/>
+                      <a:prstDash val="solid"/>
+                      <a:round/>
+                      <a:headEnd type="none" w="med" len="med"/>
+                      <a:tailEnd type="none" w="med" len="med"/>
+                    </a:lnL>
+                    <a:lnR w="12700" cap="flat" cmpd="sng" algn="ctr">
+                      <a:noFill/>
+                      <a:prstDash val="solid"/>
+                      <a:round/>
+                      <a:headEnd type="none" w="med" len="med"/>
+                      <a:tailEnd type="none" w="med" len="med"/>
+                    </a:lnR>
+                    <a:lnT w="12700" cap="flat" cmpd="sng" algn="ctr">
+                      <a:solidFill>
+                        <a:schemeClr val="tx1"/>
+                      </a:solidFill>
+                      <a:prstDash val="solid"/>
+                      <a:round/>
+                      <a:headEnd type="none" w="med" len="med"/>
+                      <a:tailEnd type="none" w="med" len="med"/>
+                    </a:lnT>
+                    <a:lnB w="12700" cap="flat" cmpd="sng" algn="ctr">
+                      <a:solidFill>
+                        <a:schemeClr val="tx1"/>
+                      </a:solidFill>
+                      <a:prstDash val="solid"/>
+                      <a:round/>
+                      <a:headEnd type="none" w="med" len="med"/>
+                      <a:tailEnd type="none" w="med" len="med"/>
+                    </a:lnB>
                     <a:solidFill>
                       <a:schemeClr val="bg1"/>
                     </a:solidFill>
@@ -4514,7 +5339,7 @@
                           <a:ea typeface="+mn-ea"/>
                           <a:cs typeface="Times New Roman" panose="02020603050405020304" pitchFamily="18" charset="0"/>
                         </a:rPr>
-                        <a:t>Which direction is the red line pointing?</a:t>
+                        <a:t>    Which direction is the red line leaning towards?</a:t>
                       </a:r>
                       <a:endParaRPr kumimoji="0" lang="en-SG" sz="3543" b="0" i="0" u="none" strike="noStrike" kern="1200" cap="none" spc="0" normalizeH="0" baseline="0" noProof="0" dirty="0">
                         <a:ln>
@@ -4532,6 +5357,7 @@
                       </a:endParaRPr>
                     </a:p>
                     <a:p>
+                      <a:pPr algn="ctr"/>
                       <a:endParaRPr lang="en-SG" dirty="0">
                         <a:latin typeface="Times New Roman" panose="02020603050405020304" pitchFamily="18" charset="0"/>
                         <a:cs typeface="Times New Roman" panose="02020603050405020304" pitchFamily="18" charset="0"/>
@@ -4539,6 +5365,38 @@
                     </a:p>
                   </a:txBody>
                   <a:tcPr>
+                    <a:lnL w="12700" cap="flat" cmpd="sng" algn="ctr">
+                      <a:noFill/>
+                      <a:prstDash val="solid"/>
+                      <a:round/>
+                      <a:headEnd type="none" w="med" len="med"/>
+                      <a:tailEnd type="none" w="med" len="med"/>
+                    </a:lnL>
+                    <a:lnR w="12700" cap="flat" cmpd="sng" algn="ctr">
+                      <a:noFill/>
+                      <a:prstDash val="solid"/>
+                      <a:round/>
+                      <a:headEnd type="none" w="med" len="med"/>
+                      <a:tailEnd type="none" w="med" len="med"/>
+                    </a:lnR>
+                    <a:lnT w="12700" cap="flat" cmpd="sng" algn="ctr">
+                      <a:solidFill>
+                        <a:schemeClr val="tx1"/>
+                      </a:solidFill>
+                      <a:prstDash val="solid"/>
+                      <a:round/>
+                      <a:headEnd type="none" w="med" len="med"/>
+                      <a:tailEnd type="none" w="med" len="med"/>
+                    </a:lnT>
+                    <a:lnB w="12700" cap="flat" cmpd="sng" algn="ctr">
+                      <a:solidFill>
+                        <a:schemeClr val="tx1"/>
+                      </a:solidFill>
+                      <a:prstDash val="solid"/>
+                      <a:round/>
+                      <a:headEnd type="none" w="med" len="med"/>
+                      <a:tailEnd type="none" w="med" len="med"/>
+                    </a:lnB>
                     <a:solidFill>
                       <a:schemeClr val="bg1"/>
                     </a:solidFill>
@@ -4563,6 +5421,31 @@
                     </a:p>
                   </a:txBody>
                   <a:tcPr>
+                    <a:lnL w="12700" cap="flat" cmpd="sng" algn="ctr">
+                      <a:noFill/>
+                      <a:prstDash val="solid"/>
+                      <a:round/>
+                      <a:headEnd type="none" w="med" len="med"/>
+                      <a:tailEnd type="none" w="med" len="med"/>
+                    </a:lnL>
+                    <a:lnT w="12700" cap="flat" cmpd="sng" algn="ctr">
+                      <a:solidFill>
+                        <a:schemeClr val="tx1"/>
+                      </a:solidFill>
+                      <a:prstDash val="solid"/>
+                      <a:round/>
+                      <a:headEnd type="none" w="med" len="med"/>
+                      <a:tailEnd type="none" w="med" len="med"/>
+                    </a:lnT>
+                    <a:lnB w="12700" cap="flat" cmpd="sng" algn="ctr">
+                      <a:solidFill>
+                        <a:schemeClr val="tx1"/>
+                      </a:solidFill>
+                      <a:prstDash val="solid"/>
+                      <a:round/>
+                      <a:headEnd type="none" w="med" len="med"/>
+                      <a:tailEnd type="none" w="med" len="med"/>
+                    </a:lnB>
                     <a:solidFill>
                       <a:schemeClr val="bg1"/>
                     </a:solidFill>
@@ -4574,7 +5457,7 @@
                   </a:ext>
                 </a:extLst>
               </a:tr>
-              <a:tr h="2679088">
+              <a:tr h="2416255">
                 <a:tc>
                   <a:txBody>
                     <a:bodyPr/>
@@ -4582,7 +5465,7 @@
                     <a:p>
                       <a:pPr algn="ctr"/>
                       <a:r>
-                        <a:rPr lang="en-SG" sz="2800" dirty="0">
+                        <a:rPr lang="en-SG" sz="2800" b="1" dirty="0">
                           <a:latin typeface="Times New Roman" panose="02020603050405020304" pitchFamily="18" charset="0"/>
                           <a:cs typeface="Times New Roman" panose="02020603050405020304" pitchFamily="18" charset="0"/>
                         </a:rPr>
@@ -4591,6 +5474,31 @@
                     </a:p>
                   </a:txBody>
                   <a:tcPr anchor="ctr">
+                    <a:lnR w="12700" cap="flat" cmpd="sng" algn="ctr">
+                      <a:noFill/>
+                      <a:prstDash val="solid"/>
+                      <a:round/>
+                      <a:headEnd type="none" w="med" len="med"/>
+                      <a:tailEnd type="none" w="med" len="med"/>
+                    </a:lnR>
+                    <a:lnT w="12700" cap="flat" cmpd="sng" algn="ctr">
+                      <a:solidFill>
+                        <a:schemeClr val="tx1"/>
+                      </a:solidFill>
+                      <a:prstDash val="solid"/>
+                      <a:round/>
+                      <a:headEnd type="none" w="med" len="med"/>
+                      <a:tailEnd type="none" w="med" len="med"/>
+                    </a:lnT>
+                    <a:lnB w="12700" cap="flat" cmpd="sng" algn="ctr">
+                      <a:solidFill>
+                        <a:schemeClr val="tx1"/>
+                      </a:solidFill>
+                      <a:prstDash val="solid"/>
+                      <a:round/>
+                      <a:headEnd type="none" w="med" len="med"/>
+                      <a:tailEnd type="none" w="med" len="med"/>
+                    </a:lnB>
                     <a:solidFill>
                       <a:schemeClr val="bg1"/>
                     </a:solidFill>
@@ -4605,6 +5513,38 @@
                     </a:p>
                   </a:txBody>
                   <a:tcPr>
+                    <a:lnL w="12700" cap="flat" cmpd="sng" algn="ctr">
+                      <a:noFill/>
+                      <a:prstDash val="solid"/>
+                      <a:round/>
+                      <a:headEnd type="none" w="med" len="med"/>
+                      <a:tailEnd type="none" w="med" len="med"/>
+                    </a:lnL>
+                    <a:lnR w="12700" cap="flat" cmpd="sng" algn="ctr">
+                      <a:noFill/>
+                      <a:prstDash val="solid"/>
+                      <a:round/>
+                      <a:headEnd type="none" w="med" len="med"/>
+                      <a:tailEnd type="none" w="med" len="med"/>
+                    </a:lnR>
+                    <a:lnT w="12700" cap="flat" cmpd="sng" algn="ctr">
+                      <a:solidFill>
+                        <a:schemeClr val="tx1"/>
+                      </a:solidFill>
+                      <a:prstDash val="solid"/>
+                      <a:round/>
+                      <a:headEnd type="none" w="med" len="med"/>
+                      <a:tailEnd type="none" w="med" len="med"/>
+                    </a:lnT>
+                    <a:lnB w="12700" cap="flat" cmpd="sng" algn="ctr">
+                      <a:solidFill>
+                        <a:schemeClr val="tx1"/>
+                      </a:solidFill>
+                      <a:prstDash val="solid"/>
+                      <a:round/>
+                      <a:headEnd type="none" w="med" len="med"/>
+                      <a:tailEnd type="none" w="med" len="med"/>
+                    </a:lnB>
                     <a:solidFill>
                       <a:schemeClr val="bg1"/>
                     </a:solidFill>
@@ -4699,6 +5639,38 @@
                     </a:p>
                   </a:txBody>
                   <a:tcPr>
+                    <a:lnL w="12700" cap="flat" cmpd="sng" algn="ctr">
+                      <a:noFill/>
+                      <a:prstDash val="solid"/>
+                      <a:round/>
+                      <a:headEnd type="none" w="med" len="med"/>
+                      <a:tailEnd type="none" w="med" len="med"/>
+                    </a:lnL>
+                    <a:lnR w="12700" cap="flat" cmpd="sng" algn="ctr">
+                      <a:noFill/>
+                      <a:prstDash val="solid"/>
+                      <a:round/>
+                      <a:headEnd type="none" w="med" len="med"/>
+                      <a:tailEnd type="none" w="med" len="med"/>
+                    </a:lnR>
+                    <a:lnT w="12700" cap="flat" cmpd="sng" algn="ctr">
+                      <a:solidFill>
+                        <a:schemeClr val="tx1"/>
+                      </a:solidFill>
+                      <a:prstDash val="solid"/>
+                      <a:round/>
+                      <a:headEnd type="none" w="med" len="med"/>
+                      <a:tailEnd type="none" w="med" len="med"/>
+                    </a:lnT>
+                    <a:lnB w="12700" cap="flat" cmpd="sng" algn="ctr">
+                      <a:solidFill>
+                        <a:schemeClr val="tx1"/>
+                      </a:solidFill>
+                      <a:prstDash val="solid"/>
+                      <a:round/>
+                      <a:headEnd type="none" w="med" len="med"/>
+                      <a:tailEnd type="none" w="med" len="med"/>
+                    </a:lnB>
                     <a:solidFill>
                       <a:schemeClr val="bg1"/>
                     </a:solidFill>
@@ -4723,6 +5695,31 @@
                     </a:p>
                   </a:txBody>
                   <a:tcPr>
+                    <a:lnL w="12700" cap="flat" cmpd="sng" algn="ctr">
+                      <a:noFill/>
+                      <a:prstDash val="solid"/>
+                      <a:round/>
+                      <a:headEnd type="none" w="med" len="med"/>
+                      <a:tailEnd type="none" w="med" len="med"/>
+                    </a:lnL>
+                    <a:lnT w="12700" cap="flat" cmpd="sng" algn="ctr">
+                      <a:solidFill>
+                        <a:schemeClr val="tx1"/>
+                      </a:solidFill>
+                      <a:prstDash val="solid"/>
+                      <a:round/>
+                      <a:headEnd type="none" w="med" len="med"/>
+                      <a:tailEnd type="none" w="med" len="med"/>
+                    </a:lnT>
+                    <a:lnB w="12700" cap="flat" cmpd="sng" algn="ctr">
+                      <a:solidFill>
+                        <a:schemeClr val="tx1"/>
+                      </a:solidFill>
+                      <a:prstDash val="solid"/>
+                      <a:round/>
+                      <a:headEnd type="none" w="med" len="med"/>
+                      <a:tailEnd type="none" w="med" len="med"/>
+                    </a:lnB>
                     <a:solidFill>
                       <a:schemeClr val="bg1"/>
                     </a:solidFill>
@@ -4734,7 +5731,7 @@
                   </a:ext>
                 </a:extLst>
               </a:tr>
-              <a:tr h="2309048">
+              <a:tr h="2320125">
                 <a:tc>
                   <a:txBody>
                     <a:bodyPr/>
@@ -4742,7 +5739,7 @@
                     <a:p>
                       <a:pPr algn="ctr"/>
                       <a:r>
-                        <a:rPr lang="en-SG" sz="2800" dirty="0">
+                        <a:rPr lang="en-SG" sz="2800" b="1" dirty="0">
                           <a:latin typeface="Times New Roman" panose="02020603050405020304" pitchFamily="18" charset="0"/>
                           <a:cs typeface="Times New Roman" panose="02020603050405020304" pitchFamily="18" charset="0"/>
                         </a:rPr>
@@ -4751,6 +5748,31 @@
                     </a:p>
                   </a:txBody>
                   <a:tcPr anchor="ctr">
+                    <a:lnR w="12700" cap="flat" cmpd="sng" algn="ctr">
+                      <a:noFill/>
+                      <a:prstDash val="solid"/>
+                      <a:round/>
+                      <a:headEnd type="none" w="med" len="med"/>
+                      <a:tailEnd type="none" w="med" len="med"/>
+                    </a:lnR>
+                    <a:lnT w="12700" cap="flat" cmpd="sng" algn="ctr">
+                      <a:solidFill>
+                        <a:schemeClr val="tx1"/>
+                      </a:solidFill>
+                      <a:prstDash val="solid"/>
+                      <a:round/>
+                      <a:headEnd type="none" w="med" len="med"/>
+                      <a:tailEnd type="none" w="med" len="med"/>
+                    </a:lnT>
+                    <a:lnB w="12700" cap="flat" cmpd="sng" algn="ctr">
+                      <a:solidFill>
+                        <a:schemeClr val="tx1"/>
+                      </a:solidFill>
+                      <a:prstDash val="solid"/>
+                      <a:round/>
+                      <a:headEnd type="none" w="med" len="med"/>
+                      <a:tailEnd type="none" w="med" len="med"/>
+                    </a:lnB>
                     <a:solidFill>
                       <a:schemeClr val="bg1"/>
                     </a:solidFill>
@@ -4765,6 +5787,38 @@
                     </a:p>
                   </a:txBody>
                   <a:tcPr>
+                    <a:lnL w="12700" cap="flat" cmpd="sng" algn="ctr">
+                      <a:noFill/>
+                      <a:prstDash val="solid"/>
+                      <a:round/>
+                      <a:headEnd type="none" w="med" len="med"/>
+                      <a:tailEnd type="none" w="med" len="med"/>
+                    </a:lnL>
+                    <a:lnR w="12700" cap="flat" cmpd="sng" algn="ctr">
+                      <a:noFill/>
+                      <a:prstDash val="solid"/>
+                      <a:round/>
+                      <a:headEnd type="none" w="med" len="med"/>
+                      <a:tailEnd type="none" w="med" len="med"/>
+                    </a:lnR>
+                    <a:lnT w="12700" cap="flat" cmpd="sng" algn="ctr">
+                      <a:solidFill>
+                        <a:schemeClr val="tx1"/>
+                      </a:solidFill>
+                      <a:prstDash val="solid"/>
+                      <a:round/>
+                      <a:headEnd type="none" w="med" len="med"/>
+                      <a:tailEnd type="none" w="med" len="med"/>
+                    </a:lnT>
+                    <a:lnB w="12700" cap="flat" cmpd="sng" algn="ctr">
+                      <a:solidFill>
+                        <a:schemeClr val="tx1"/>
+                      </a:solidFill>
+                      <a:prstDash val="solid"/>
+                      <a:round/>
+                      <a:headEnd type="none" w="med" len="med"/>
+                      <a:tailEnd type="none" w="med" len="med"/>
+                    </a:lnB>
                     <a:solidFill>
                       <a:schemeClr val="bg1"/>
                     </a:solidFill>
@@ -4840,7 +5894,43 @@
                           <a:ea typeface="+mn-ea"/>
                           <a:cs typeface="Times New Roman" panose="02020603050405020304" pitchFamily="18" charset="0"/>
                         </a:rPr>
-                        <a:t>Which grey rectangle is lighter?</a:t>
+                        <a:t>Which grey </a:t>
+                      </a:r>
+                    </a:p>
+                    <a:p>
+                      <a:pPr marL="0" marR="0" lvl="0" indent="0" algn="ctr" defTabSz="1800088" rtl="0" eaLnBrk="1" fontAlgn="auto" latinLnBrk="0" hangingPunct="1">
+                        <a:lnSpc>
+                          <a:spcPct val="100000"/>
+                        </a:lnSpc>
+                        <a:spcBef>
+                          <a:spcPts val="0"/>
+                        </a:spcBef>
+                        <a:spcAft>
+                          <a:spcPts val="0"/>
+                        </a:spcAft>
+                        <a:buClrTx/>
+                        <a:buSzTx/>
+                        <a:buFontTx/>
+                        <a:buNone/>
+                        <a:tabLst/>
+                        <a:defRPr/>
+                      </a:pPr>
+                      <a:r>
+                        <a:rPr kumimoji="0" lang="en-US" sz="2500" b="0" i="0" u="none" strike="noStrike" kern="1200" cap="none" spc="0" normalizeH="0" baseline="0" noProof="0" dirty="0">
+                          <a:ln>
+                            <a:noFill/>
+                          </a:ln>
+                          <a:solidFill>
+                            <a:prstClr val="black"/>
+                          </a:solidFill>
+                          <a:effectLst/>
+                          <a:uLnTx/>
+                          <a:uFillTx/>
+                          <a:latin typeface="Times New Roman" panose="02020603050405020304" pitchFamily="18" charset="0"/>
+                          <a:ea typeface="+mn-ea"/>
+                          <a:cs typeface="Times New Roman" panose="02020603050405020304" pitchFamily="18" charset="0"/>
+                        </a:rPr>
+                        <a:t>rectangle is lighter?</a:t>
                       </a:r>
                       <a:endParaRPr kumimoji="0" lang="en-SG" sz="3543" b="0" i="0" u="none" strike="noStrike" kern="1200" cap="none" spc="0" normalizeH="0" baseline="0" noProof="0" dirty="0">
                         <a:ln>
@@ -4858,6 +5948,7 @@
                       </a:endParaRPr>
                     </a:p>
                     <a:p>
+                      <a:pPr algn="ctr"/>
                       <a:endParaRPr lang="en-SG" dirty="0">
                         <a:latin typeface="Times New Roman" panose="02020603050405020304" pitchFamily="18" charset="0"/>
                         <a:cs typeface="Times New Roman" panose="02020603050405020304" pitchFamily="18" charset="0"/>
@@ -4865,6 +5956,38 @@
                     </a:p>
                   </a:txBody>
                   <a:tcPr>
+                    <a:lnL w="12700" cap="flat" cmpd="sng" algn="ctr">
+                      <a:noFill/>
+                      <a:prstDash val="solid"/>
+                      <a:round/>
+                      <a:headEnd type="none" w="med" len="med"/>
+                      <a:tailEnd type="none" w="med" len="med"/>
+                    </a:lnL>
+                    <a:lnR w="12700" cap="flat" cmpd="sng" algn="ctr">
+                      <a:noFill/>
+                      <a:prstDash val="solid"/>
+                      <a:round/>
+                      <a:headEnd type="none" w="med" len="med"/>
+                      <a:tailEnd type="none" w="med" len="med"/>
+                    </a:lnR>
+                    <a:lnT w="12700" cap="flat" cmpd="sng" algn="ctr">
+                      <a:solidFill>
+                        <a:schemeClr val="tx1"/>
+                      </a:solidFill>
+                      <a:prstDash val="solid"/>
+                      <a:round/>
+                      <a:headEnd type="none" w="med" len="med"/>
+                      <a:tailEnd type="none" w="med" len="med"/>
+                    </a:lnT>
+                    <a:lnB w="12700" cap="flat" cmpd="sng" algn="ctr">
+                      <a:solidFill>
+                        <a:schemeClr val="tx1"/>
+                      </a:solidFill>
+                      <a:prstDash val="solid"/>
+                      <a:round/>
+                      <a:headEnd type="none" w="med" len="med"/>
+                      <a:tailEnd type="none" w="med" len="med"/>
+                    </a:lnB>
                     <a:solidFill>
                       <a:schemeClr val="bg1"/>
                     </a:solidFill>
@@ -4889,6 +6012,31 @@
                     </a:p>
                   </a:txBody>
                   <a:tcPr>
+                    <a:lnL w="12700" cap="flat" cmpd="sng" algn="ctr">
+                      <a:noFill/>
+                      <a:prstDash val="solid"/>
+                      <a:round/>
+                      <a:headEnd type="none" w="med" len="med"/>
+                      <a:tailEnd type="none" w="med" len="med"/>
+                    </a:lnL>
+                    <a:lnT w="12700" cap="flat" cmpd="sng" algn="ctr">
+                      <a:solidFill>
+                        <a:schemeClr val="tx1"/>
+                      </a:solidFill>
+                      <a:prstDash val="solid"/>
+                      <a:round/>
+                      <a:headEnd type="none" w="med" len="med"/>
+                      <a:tailEnd type="none" w="med" len="med"/>
+                    </a:lnT>
+                    <a:lnB w="12700" cap="flat" cmpd="sng" algn="ctr">
+                      <a:solidFill>
+                        <a:schemeClr val="tx1"/>
+                      </a:solidFill>
+                      <a:prstDash val="solid"/>
+                      <a:round/>
+                      <a:headEnd type="none" w="med" len="med"/>
+                      <a:tailEnd type="none" w="med" len="med"/>
+                    </a:lnB>
                     <a:solidFill>
                       <a:schemeClr val="bg1"/>
                     </a:solidFill>
@@ -4900,14 +6048,14 @@
                   </a:ext>
                 </a:extLst>
               </a:tr>
-              <a:tr h="2027222">
+              <a:tr h="2400731">
                 <a:tc>
                   <a:txBody>
                     <a:bodyPr/>
                     <a:lstStyle/>
                     <a:p>
                       <a:pPr algn="ctr"/>
-                      <a:endParaRPr lang="en-SG" sz="2800" dirty="0">
+                      <a:endParaRPr lang="en-SG" sz="2800" b="1" dirty="0">
                         <a:latin typeface="Times New Roman" panose="02020603050405020304" pitchFamily="18" charset="0"/>
                         <a:cs typeface="Times New Roman" panose="02020603050405020304" pitchFamily="18" charset="0"/>
                       </a:endParaRPr>
@@ -4915,7 +6063,7 @@
                     <a:p>
                       <a:pPr algn="ctr"/>
                       <a:r>
-                        <a:rPr lang="en-SG" sz="2800" dirty="0">
+                        <a:rPr lang="en-SG" sz="2800" b="1" dirty="0">
                           <a:latin typeface="Times New Roman" panose="02020603050405020304" pitchFamily="18" charset="0"/>
                           <a:cs typeface="Times New Roman" panose="02020603050405020304" pitchFamily="18" charset="0"/>
                         </a:rPr>
@@ -4924,13 +6072,29 @@
                     </a:p>
                     <a:p>
                       <a:pPr algn="ctr"/>
-                      <a:endParaRPr lang="en-SG" sz="2800" dirty="0">
+                      <a:endParaRPr lang="en-SG" sz="2800" b="1" dirty="0">
                         <a:latin typeface="Times New Roman" panose="02020603050405020304" pitchFamily="18" charset="0"/>
                         <a:cs typeface="Times New Roman" panose="02020603050405020304" pitchFamily="18" charset="0"/>
                       </a:endParaRPr>
                     </a:p>
                   </a:txBody>
                   <a:tcPr anchor="ctr">
+                    <a:lnR w="12700" cap="flat" cmpd="sng" algn="ctr">
+                      <a:noFill/>
+                      <a:prstDash val="solid"/>
+                      <a:round/>
+                      <a:headEnd type="none" w="med" len="med"/>
+                      <a:tailEnd type="none" w="med" len="med"/>
+                    </a:lnR>
+                    <a:lnT w="12700" cap="flat" cmpd="sng" algn="ctr">
+                      <a:solidFill>
+                        <a:schemeClr val="tx1"/>
+                      </a:solidFill>
+                      <a:prstDash val="solid"/>
+                      <a:round/>
+                      <a:headEnd type="none" w="med" len="med"/>
+                      <a:tailEnd type="none" w="med" len="med"/>
+                    </a:lnT>
                     <a:solidFill>
                       <a:schemeClr val="bg1"/>
                     </a:solidFill>
@@ -4945,6 +6109,29 @@
                     </a:p>
                   </a:txBody>
                   <a:tcPr>
+                    <a:lnL w="12700" cap="flat" cmpd="sng" algn="ctr">
+                      <a:noFill/>
+                      <a:prstDash val="solid"/>
+                      <a:round/>
+                      <a:headEnd type="none" w="med" len="med"/>
+                      <a:tailEnd type="none" w="med" len="med"/>
+                    </a:lnL>
+                    <a:lnR w="12700" cap="flat" cmpd="sng" algn="ctr">
+                      <a:noFill/>
+                      <a:prstDash val="solid"/>
+                      <a:round/>
+                      <a:headEnd type="none" w="med" len="med"/>
+                      <a:tailEnd type="none" w="med" len="med"/>
+                    </a:lnR>
+                    <a:lnT w="12700" cap="flat" cmpd="sng" algn="ctr">
+                      <a:solidFill>
+                        <a:schemeClr val="tx1"/>
+                      </a:solidFill>
+                      <a:prstDash val="solid"/>
+                      <a:round/>
+                      <a:headEnd type="none" w="med" len="med"/>
+                      <a:tailEnd type="none" w="med" len="med"/>
+                    </a:lnT>
                     <a:solidFill>
                       <a:schemeClr val="bg1"/>
                     </a:solidFill>
@@ -5020,7 +6207,43 @@
                           <a:ea typeface="+mn-ea"/>
                           <a:cs typeface="Times New Roman" panose="02020603050405020304" pitchFamily="18" charset="0"/>
                         </a:rPr>
-                        <a:t>Which grey rectangle is lighter?</a:t>
+                        <a:t>Which grey </a:t>
+                      </a:r>
+                    </a:p>
+                    <a:p>
+                      <a:pPr marL="0" marR="0" lvl="0" indent="0" algn="ctr" defTabSz="1800088" rtl="0" eaLnBrk="1" fontAlgn="auto" latinLnBrk="0" hangingPunct="1">
+                        <a:lnSpc>
+                          <a:spcPct val="100000"/>
+                        </a:lnSpc>
+                        <a:spcBef>
+                          <a:spcPts val="0"/>
+                        </a:spcBef>
+                        <a:spcAft>
+                          <a:spcPts val="0"/>
+                        </a:spcAft>
+                        <a:buClrTx/>
+                        <a:buSzTx/>
+                        <a:buFontTx/>
+                        <a:buNone/>
+                        <a:tabLst/>
+                        <a:defRPr/>
+                      </a:pPr>
+                      <a:r>
+                        <a:rPr kumimoji="0" lang="en-US" sz="2500" b="0" i="0" u="none" strike="noStrike" kern="1200" cap="none" spc="0" normalizeH="0" baseline="0" noProof="0" dirty="0">
+                          <a:ln>
+                            <a:noFill/>
+                          </a:ln>
+                          <a:solidFill>
+                            <a:prstClr val="black"/>
+                          </a:solidFill>
+                          <a:effectLst/>
+                          <a:uLnTx/>
+                          <a:uFillTx/>
+                          <a:latin typeface="Times New Roman" panose="02020603050405020304" pitchFamily="18" charset="0"/>
+                          <a:ea typeface="+mn-ea"/>
+                          <a:cs typeface="Times New Roman" panose="02020603050405020304" pitchFamily="18" charset="0"/>
+                        </a:rPr>
+                        <a:t>rectangle is lighter?</a:t>
                       </a:r>
                       <a:endParaRPr kumimoji="0" lang="en-SG" sz="3543" b="0" i="0" u="none" strike="noStrike" kern="1200" cap="none" spc="0" normalizeH="0" baseline="0" noProof="0" dirty="0">
                         <a:ln>
@@ -5038,6 +6261,7 @@
                       </a:endParaRPr>
                     </a:p>
                     <a:p>
+                      <a:pPr algn="ctr"/>
                       <a:endParaRPr lang="en-SG" dirty="0">
                         <a:latin typeface="Times New Roman" panose="02020603050405020304" pitchFamily="18" charset="0"/>
                         <a:cs typeface="Times New Roman" panose="02020603050405020304" pitchFamily="18" charset="0"/>
@@ -5045,6 +6269,29 @@
                     </a:p>
                   </a:txBody>
                   <a:tcPr>
+                    <a:lnL w="12700" cap="flat" cmpd="sng" algn="ctr">
+                      <a:noFill/>
+                      <a:prstDash val="solid"/>
+                      <a:round/>
+                      <a:headEnd type="none" w="med" len="med"/>
+                      <a:tailEnd type="none" w="med" len="med"/>
+                    </a:lnL>
+                    <a:lnR w="12700" cap="flat" cmpd="sng" algn="ctr">
+                      <a:noFill/>
+                      <a:prstDash val="solid"/>
+                      <a:round/>
+                      <a:headEnd type="none" w="med" len="med"/>
+                      <a:tailEnd type="none" w="med" len="med"/>
+                    </a:lnR>
+                    <a:lnT w="12700" cap="flat" cmpd="sng" algn="ctr">
+                      <a:solidFill>
+                        <a:schemeClr val="tx1"/>
+                      </a:solidFill>
+                      <a:prstDash val="solid"/>
+                      <a:round/>
+                      <a:headEnd type="none" w="med" len="med"/>
+                      <a:tailEnd type="none" w="med" len="med"/>
+                    </a:lnT>
                     <a:solidFill>
                       <a:schemeClr val="bg1"/>
                     </a:solidFill>
@@ -5069,6 +6316,22 @@
                     </a:p>
                   </a:txBody>
                   <a:tcPr>
+                    <a:lnL w="12700" cap="flat" cmpd="sng" algn="ctr">
+                      <a:noFill/>
+                      <a:prstDash val="solid"/>
+                      <a:round/>
+                      <a:headEnd type="none" w="med" len="med"/>
+                      <a:tailEnd type="none" w="med" len="med"/>
+                    </a:lnL>
+                    <a:lnT w="12700" cap="flat" cmpd="sng" algn="ctr">
+                      <a:solidFill>
+                        <a:schemeClr val="tx1"/>
+                      </a:solidFill>
+                      <a:prstDash val="solid"/>
+                      <a:round/>
+                      <a:headEnd type="none" w="med" len="med"/>
+                      <a:tailEnd type="none" w="med" len="med"/>
+                    </a:lnT>
                     <a:solidFill>
                       <a:schemeClr val="bg1"/>
                     </a:solidFill>
@@ -5106,13 +6369,13 @@
               </a:ext>
             </a:extLst>
           </a:blip>
-          <a:srcRect l="10259" t="7956" r="57901" b="85613"/>
+          <a:srcRect l="10259" t="7835" r="81722" b="85613"/>
           <a:stretch/>
         </p:blipFill>
         <p:spPr>
           <a:xfrm>
-            <a:off x="3293273" y="1771827"/>
-            <a:ext cx="4746379" cy="1329383"/>
+            <a:off x="4946182" y="1920277"/>
+            <a:ext cx="934108" cy="1058266"/>
           </a:xfrm>
           <a:prstGeom prst="rect">
             <a:avLst/>
@@ -5141,13 +6404,13 @@
               </a:ext>
             </a:extLst>
           </a:blip>
-          <a:srcRect l="57823" t="6018" r="4028" b="84124"/>
+          <a:srcRect l="80329" t="6018" r="4028" b="84124"/>
           <a:stretch/>
         </p:blipFill>
         <p:spPr>
           <a:xfrm>
-            <a:off x="3195550" y="3948051"/>
-            <a:ext cx="5087043" cy="1822937"/>
+            <a:off x="5954138" y="4337913"/>
+            <a:ext cx="1996354" cy="1744734"/>
           </a:xfrm>
           <a:prstGeom prst="rect">
             <a:avLst/>
@@ -5181,7 +6444,7 @@
         </p:blipFill>
         <p:spPr>
           <a:xfrm>
-            <a:off x="4514745" y="6220966"/>
+            <a:off x="4973471" y="6421522"/>
             <a:ext cx="2370435" cy="2008536"/>
           </a:xfrm>
           <a:prstGeom prst="rect">
@@ -5216,7 +6479,7 @@
         </p:blipFill>
         <p:spPr>
           <a:xfrm>
-            <a:off x="4302567" y="8545426"/>
+            <a:off x="4556743" y="9000907"/>
             <a:ext cx="2794790" cy="1526471"/>
           </a:xfrm>
           <a:prstGeom prst="rect">
@@ -5251,7 +6514,7 @@
         </p:blipFill>
         <p:spPr>
           <a:xfrm>
-            <a:off x="4490674" y="10289501"/>
+            <a:off x="4770759" y="11010068"/>
             <a:ext cx="2775857" cy="1894115"/>
           </a:xfrm>
           <a:prstGeom prst="rect">
@@ -5286,7 +6549,7 @@
         </p:blipFill>
         <p:spPr>
           <a:xfrm>
-            <a:off x="3772954" y="12908486"/>
+            <a:off x="3951260" y="13395748"/>
             <a:ext cx="3805876" cy="1734788"/>
           </a:xfrm>
           <a:prstGeom prst="rect">
@@ -5321,8 +6584,8 @@
         </p:blipFill>
         <p:spPr>
           <a:xfrm>
-            <a:off x="4490674" y="15042857"/>
-            <a:ext cx="2370435" cy="2077186"/>
+            <a:off x="4674798" y="15758796"/>
+            <a:ext cx="2360088" cy="2068119"/>
           </a:xfrm>
           <a:prstGeom prst="rect">
             <a:avLst/>
@@ -5356,7 +6619,7 @@
         </p:blipFill>
         <p:spPr>
           <a:xfrm>
-            <a:off x="4746197" y="17665511"/>
+            <a:off x="4983818" y="18008408"/>
             <a:ext cx="1840533" cy="2020098"/>
           </a:xfrm>
           <a:prstGeom prst="rect">
@@ -5391,8 +6654,8 @@
         </p:blipFill>
         <p:spPr>
           <a:xfrm>
-            <a:off x="3763524" y="20161574"/>
-            <a:ext cx="3805876" cy="1822936"/>
+            <a:off x="4268531" y="20520071"/>
+            <a:ext cx="3621843" cy="1734788"/>
           </a:xfrm>
           <a:prstGeom prst="rect">
             <a:avLst/>
@@ -5426,8 +6689,8 @@
         </p:blipFill>
         <p:spPr>
           <a:xfrm>
-            <a:off x="3836133" y="22638343"/>
-            <a:ext cx="3805876" cy="1864365"/>
+            <a:off x="4153016" y="22858827"/>
+            <a:ext cx="3737358" cy="1830800"/>
           </a:xfrm>
           <a:prstGeom prst="rect">
             <a:avLst/>
@@ -5462,7 +6725,7 @@
         </p:blipFill>
         <p:spPr>
           <a:xfrm>
-            <a:off x="9196696" y="2609156"/>
+            <a:off x="9266527" y="2935411"/>
             <a:ext cx="595823" cy="595823"/>
           </a:xfrm>
           <a:prstGeom prst="rect">
@@ -5498,7 +6761,7 @@
         </p:blipFill>
         <p:spPr>
           <a:xfrm>
-            <a:off x="10170040" y="2609156"/>
+            <a:off x="10239871" y="2935411"/>
             <a:ext cx="597600" cy="597600"/>
           </a:xfrm>
           <a:prstGeom prst="rect">
@@ -5606,7 +6869,7 @@
         </p:blipFill>
         <p:spPr>
           <a:xfrm>
-            <a:off x="9250422" y="11672429"/>
+            <a:off x="9237842" y="12164020"/>
             <a:ext cx="595823" cy="595823"/>
           </a:xfrm>
           <a:prstGeom prst="rect">
@@ -5642,7 +6905,7 @@
         </p:blipFill>
         <p:spPr>
           <a:xfrm>
-            <a:off x="10182620" y="11645606"/>
+            <a:off x="10170040" y="12137197"/>
             <a:ext cx="597600" cy="597600"/>
           </a:xfrm>
           <a:prstGeom prst="rect">
@@ -5678,7 +6941,7 @@
         </p:blipFill>
         <p:spPr>
           <a:xfrm>
-            <a:off x="9240521" y="18917225"/>
+            <a:off x="9284887" y="19287046"/>
             <a:ext cx="595823" cy="595823"/>
           </a:xfrm>
           <a:prstGeom prst="rect">
@@ -5714,7 +6977,7 @@
         </p:blipFill>
         <p:spPr>
           <a:xfrm>
-            <a:off x="10204191" y="18917225"/>
+            <a:off x="10248557" y="19287046"/>
             <a:ext cx="597600" cy="597600"/>
           </a:xfrm>
           <a:prstGeom prst="rect">
@@ -5750,7 +7013,7 @@
         </p:blipFill>
         <p:spPr>
           <a:xfrm>
-            <a:off x="9250423" y="23685100"/>
+            <a:off x="9196696" y="23900383"/>
             <a:ext cx="595823" cy="595823"/>
           </a:xfrm>
           <a:prstGeom prst="rect">
@@ -5786,7 +7049,7 @@
         </p:blipFill>
         <p:spPr>
           <a:xfrm>
-            <a:off x="10223767" y="23685100"/>
+            <a:off x="10170040" y="23900383"/>
             <a:ext cx="597600" cy="597600"/>
           </a:xfrm>
           <a:prstGeom prst="rect">
@@ -5822,7 +7085,7 @@
         </p:blipFill>
         <p:spPr>
           <a:xfrm rot="5400000">
-            <a:off x="9700191" y="7126081"/>
+            <a:off x="9829812" y="7387229"/>
             <a:ext cx="504000" cy="504000"/>
           </a:xfrm>
           <a:prstGeom prst="rect">
@@ -5858,7 +7121,7 @@
         </p:blipFill>
         <p:spPr>
           <a:xfrm rot="5400000">
-            <a:off x="9697549" y="7639308"/>
+            <a:off x="9827170" y="7900456"/>
             <a:ext cx="504000" cy="504000"/>
           </a:xfrm>
           <a:prstGeom prst="rect">
@@ -5894,7 +7157,7 @@
         </p:blipFill>
         <p:spPr>
           <a:xfrm rot="5400000">
-            <a:off x="9694548" y="9125656"/>
+            <a:off x="9827170" y="9676112"/>
             <a:ext cx="504000" cy="504000"/>
           </a:xfrm>
           <a:prstGeom prst="rect">
@@ -5930,7 +7193,7 @@
         </p:blipFill>
         <p:spPr>
           <a:xfrm rot="5400000">
-            <a:off x="9694548" y="9629656"/>
+            <a:off x="9827170" y="10180112"/>
             <a:ext cx="504000" cy="504000"/>
           </a:xfrm>
           <a:prstGeom prst="rect">
@@ -5966,7 +7229,7 @@
         </p:blipFill>
         <p:spPr>
           <a:xfrm>
-            <a:off x="9196696" y="14213054"/>
+            <a:off x="9266527" y="14772508"/>
             <a:ext cx="595823" cy="595823"/>
           </a:xfrm>
           <a:prstGeom prst="rect">
@@ -6002,79 +7265,7 @@
         </p:blipFill>
         <p:spPr>
           <a:xfrm>
-            <a:off x="10170040" y="14213054"/>
-            <a:ext cx="597600" cy="597600"/>
-          </a:xfrm>
-          <a:prstGeom prst="rect">
-            <a:avLst/>
-          </a:prstGeom>
-        </p:spPr>
-      </p:pic>
-      <p:pic>
-        <p:nvPicPr>
-          <p:cNvPr id="37" name="Picture 36">
-            <a:extLst>
-              <a:ext uri="{FF2B5EF4-FFF2-40B4-BE49-F238E27FC236}">
-                <a16:creationId xmlns:a16="http://schemas.microsoft.com/office/drawing/2014/main" id="{646FC912-6C8D-B04F-A34E-B16A9F0399B8}"/>
-              </a:ext>
-            </a:extLst>
-          </p:cNvPr>
-          <p:cNvPicPr>
-            <a:picLocks noChangeAspect="1"/>
-          </p:cNvPicPr>
-          <p:nvPr/>
-        </p:nvPicPr>
-        <p:blipFill>
-          <a:blip r:embed="rId9">
-            <a:extLst>
-              <a:ext uri="{28A0092B-C50C-407E-A947-70E740481C1C}">
-                <a14:useLocalDpi xmlns:a14="http://schemas.microsoft.com/office/drawing/2010/main" val="0"/>
-              </a:ext>
-            </a:extLst>
-          </a:blip>
-          <a:stretch>
-            <a:fillRect/>
-          </a:stretch>
-        </p:blipFill>
-        <p:spPr>
-          <a:xfrm>
-            <a:off x="9263030" y="16449502"/>
-            <a:ext cx="595823" cy="595823"/>
-          </a:xfrm>
-          <a:prstGeom prst="rect">
-            <a:avLst/>
-          </a:prstGeom>
-        </p:spPr>
-      </p:pic>
-      <p:pic>
-        <p:nvPicPr>
-          <p:cNvPr id="38" name="Picture 37">
-            <a:extLst>
-              <a:ext uri="{FF2B5EF4-FFF2-40B4-BE49-F238E27FC236}">
-                <a16:creationId xmlns:a16="http://schemas.microsoft.com/office/drawing/2014/main" id="{0D082C4C-E8C7-2679-5D2F-C504B46652E1}"/>
-              </a:ext>
-            </a:extLst>
-          </p:cNvPr>
-          <p:cNvPicPr>
-            <a:picLocks noChangeAspect="1"/>
-          </p:cNvPicPr>
-          <p:nvPr/>
-        </p:nvPicPr>
-        <p:blipFill>
-          <a:blip r:embed="rId10">
-            <a:extLst>
-              <a:ext uri="{28A0092B-C50C-407E-A947-70E740481C1C}">
-                <a14:useLocalDpi xmlns:a14="http://schemas.microsoft.com/office/drawing/2010/main" val="0"/>
-              </a:ext>
-            </a:extLst>
-          </a:blip>
-          <a:stretch>
-            <a:fillRect/>
-          </a:stretch>
-        </p:blipFill>
-        <p:spPr>
-          <a:xfrm>
-            <a:off x="10236374" y="16449502"/>
+            <a:off x="10239871" y="14772508"/>
             <a:ext cx="597600" cy="597600"/>
           </a:xfrm>
           <a:prstGeom prst="rect">
@@ -6110,7 +7301,7 @@
         </p:blipFill>
         <p:spPr>
           <a:xfrm>
-            <a:off x="9240521" y="21389558"/>
+            <a:off x="9276201" y="21659036"/>
             <a:ext cx="595823" cy="595823"/>
           </a:xfrm>
           <a:prstGeom prst="rect">
@@ -6146,7 +7337,149 @@
         </p:blipFill>
         <p:spPr>
           <a:xfrm>
-            <a:off x="10204191" y="21389558"/>
+            <a:off x="10239871" y="21659036"/>
+            <a:ext cx="597600" cy="597600"/>
+          </a:xfrm>
+          <a:prstGeom prst="rect">
+            <a:avLst/>
+          </a:prstGeom>
+        </p:spPr>
+      </p:pic>
+      <p:pic>
+        <p:nvPicPr>
+          <p:cNvPr id="2" name="Picture 1" descr="Diagram&#10;&#10;Description automatically generated">
+            <a:extLst>
+              <a:ext uri="{FF2B5EF4-FFF2-40B4-BE49-F238E27FC236}">
+                <a16:creationId xmlns:a16="http://schemas.microsoft.com/office/drawing/2014/main" id="{EBB025EB-47B8-68E1-7309-F2D3E2D9501B}"/>
+              </a:ext>
+            </a:extLst>
+          </p:cNvPr>
+          <p:cNvPicPr>
+            <a:picLocks noChangeAspect="1"/>
+          </p:cNvPicPr>
+          <p:nvPr/>
+        </p:nvPicPr>
+        <p:blipFill rotWithShape="1">
+          <a:blip r:embed="rId4">
+            <a:extLst>
+              <a:ext uri="{28A0092B-C50C-407E-A947-70E740481C1C}">
+                <a14:useLocalDpi xmlns:a14="http://schemas.microsoft.com/office/drawing/2010/main" val="0"/>
+              </a:ext>
+            </a:extLst>
+          </a:blip>
+          <a:srcRect l="57823" t="6018" r="30548" b="84124"/>
+          <a:stretch/>
+        </p:blipFill>
+        <p:spPr>
+          <a:xfrm>
+            <a:off x="4594896" y="4342924"/>
+            <a:ext cx="1484139" cy="1744734"/>
+          </a:xfrm>
+          <a:prstGeom prst="rect">
+            <a:avLst/>
+          </a:prstGeom>
+        </p:spPr>
+      </p:pic>
+      <p:pic>
+        <p:nvPicPr>
+          <p:cNvPr id="14" name="Picture 13" descr="Diagram&#10;&#10;Description automatically generated">
+            <a:extLst>
+              <a:ext uri="{FF2B5EF4-FFF2-40B4-BE49-F238E27FC236}">
+                <a16:creationId xmlns:a16="http://schemas.microsoft.com/office/drawing/2014/main" id="{F7D6C4EC-3457-6DC3-54FC-504437DBCF33}"/>
+              </a:ext>
+            </a:extLst>
+          </p:cNvPr>
+          <p:cNvPicPr>
+            <a:picLocks noChangeAspect="1"/>
+          </p:cNvPicPr>
+          <p:nvPr/>
+        </p:nvPicPr>
+        <p:blipFill rotWithShape="1">
+          <a:blip r:embed="rId3">
+            <a:extLst>
+              <a:ext uri="{28A0092B-C50C-407E-A947-70E740481C1C}">
+                <a14:useLocalDpi xmlns:a14="http://schemas.microsoft.com/office/drawing/2010/main" val="0"/>
+              </a:ext>
+            </a:extLst>
+          </a:blip>
+          <a:srcRect l="31326" t="6823" r="55776" b="84294"/>
+          <a:stretch/>
+        </p:blipFill>
+        <p:spPr>
+          <a:xfrm>
+            <a:off x="5940439" y="1723629"/>
+            <a:ext cx="1502228" cy="1434517"/>
+          </a:xfrm>
+          <a:prstGeom prst="rect">
+            <a:avLst/>
+          </a:prstGeom>
+        </p:spPr>
+      </p:pic>
+      <p:pic>
+        <p:nvPicPr>
+          <p:cNvPr id="16" name="Picture 15">
+            <a:extLst>
+              <a:ext uri="{FF2B5EF4-FFF2-40B4-BE49-F238E27FC236}">
+                <a16:creationId xmlns:a16="http://schemas.microsoft.com/office/drawing/2014/main" id="{93A77FC7-3F46-4801-A0FE-CE173C3217CE}"/>
+              </a:ext>
+            </a:extLst>
+          </p:cNvPr>
+          <p:cNvPicPr>
+            <a:picLocks noChangeAspect="1"/>
+          </p:cNvPicPr>
+          <p:nvPr/>
+        </p:nvPicPr>
+        <p:blipFill>
+          <a:blip r:embed="rId9">
+            <a:extLst>
+              <a:ext uri="{28A0092B-C50C-407E-A947-70E740481C1C}">
+                <a14:useLocalDpi xmlns:a14="http://schemas.microsoft.com/office/drawing/2010/main" val="0"/>
+              </a:ext>
+            </a:extLst>
+          </a:blip>
+          <a:stretch>
+            <a:fillRect/>
+          </a:stretch>
+        </p:blipFill>
+        <p:spPr>
+          <a:xfrm>
+            <a:off x="9284887" y="17113524"/>
+            <a:ext cx="595823" cy="595823"/>
+          </a:xfrm>
+          <a:prstGeom prst="rect">
+            <a:avLst/>
+          </a:prstGeom>
+        </p:spPr>
+      </p:pic>
+      <p:pic>
+        <p:nvPicPr>
+          <p:cNvPr id="28" name="Picture 27">
+            <a:extLst>
+              <a:ext uri="{FF2B5EF4-FFF2-40B4-BE49-F238E27FC236}">
+                <a16:creationId xmlns:a16="http://schemas.microsoft.com/office/drawing/2014/main" id="{F3CC8A9C-ACA8-F597-FD34-E3AAB597B6A4}"/>
+              </a:ext>
+            </a:extLst>
+          </p:cNvPr>
+          <p:cNvPicPr>
+            <a:picLocks noChangeAspect="1"/>
+          </p:cNvPicPr>
+          <p:nvPr/>
+        </p:nvPicPr>
+        <p:blipFill>
+          <a:blip r:embed="rId10">
+            <a:extLst>
+              <a:ext uri="{28A0092B-C50C-407E-A947-70E740481C1C}">
+                <a14:useLocalDpi xmlns:a14="http://schemas.microsoft.com/office/drawing/2010/main" val="0"/>
+              </a:ext>
+            </a:extLst>
+          </a:blip>
+          <a:stretch>
+            <a:fillRect/>
+          </a:stretch>
+        </p:blipFill>
+        <p:spPr>
+          <a:xfrm>
+            <a:off x="10258231" y="17113524"/>
             <a:ext cx="597600" cy="597600"/>
           </a:xfrm>
           <a:prstGeom prst="rect">

--- a/submission/R1/Figure2.pptx
+++ b/submission/R1/Figure2.pptx
@@ -3428,7 +3428,7 @@
           <p:nvPr>
             <p:extLst>
               <p:ext uri="{D42A27DB-BD31-4B8C-83A1-F6EECF244321}">
-                <p14:modId xmlns:p14="http://schemas.microsoft.com/office/powerpoint/2010/main" val="422074948"/>
+                <p14:modId xmlns:p14="http://schemas.microsoft.com/office/powerpoint/2010/main" val="780609052"/>
               </p:ext>
             </p:extLst>
           </p:nvPr>
@@ -5091,7 +5091,7 @@
                           <a:ea typeface="+mn-ea"/>
                           <a:cs typeface="Times New Roman" panose="02020603050405020304" pitchFamily="18" charset="0"/>
                         </a:rPr>
-                        <a:t>      Which direction are the red lines converging towards?</a:t>
+                        <a:t>      Which direction are   the red lines converging towards?</a:t>
                       </a:r>
                       <a:endParaRPr kumimoji="0" lang="en-SG" sz="3543" b="0" i="0" u="none" strike="noStrike" kern="1200" cap="none" spc="0" normalizeH="0" baseline="0" noProof="0" dirty="0">
                         <a:ln>
@@ -5620,7 +5620,7 @@
                           <a:ea typeface="+mn-ea"/>
                           <a:cs typeface="Times New Roman" panose="02020603050405020304" pitchFamily="18" charset="0"/>
                         </a:rPr>
-                        <a:t>Which direction is the red line pointing?</a:t>
+                        <a:t>Is the right line above or below the left line?</a:t>
                       </a:r>
                       <a:endParaRPr kumimoji="0" lang="en-SG" sz="3543" b="0" i="0" u="none" strike="noStrike" kern="1200" cap="none" spc="0" normalizeH="0" baseline="0" noProof="0" dirty="0">
                         <a:ln>
@@ -6479,7 +6479,7 @@
         </p:blipFill>
         <p:spPr>
           <a:xfrm>
-            <a:off x="4556743" y="9000907"/>
+            <a:off x="4647877" y="9001421"/>
             <a:ext cx="2794790" cy="1526471"/>
           </a:xfrm>
           <a:prstGeom prst="rect">
@@ -6584,7 +6584,7 @@
         </p:blipFill>
         <p:spPr>
           <a:xfrm>
-            <a:off x="4674798" y="15758796"/>
+            <a:off x="4760395" y="15734269"/>
             <a:ext cx="2360088" cy="2068119"/>
           </a:xfrm>
           <a:prstGeom prst="rect">
@@ -6619,7 +6619,7 @@
         </p:blipFill>
         <p:spPr>
           <a:xfrm>
-            <a:off x="4983818" y="18008408"/>
+            <a:off x="4983818" y="18073722"/>
             <a:ext cx="1840533" cy="2020098"/>
           </a:xfrm>
           <a:prstGeom prst="rect">
@@ -6906,78 +6906,6 @@
         <p:spPr>
           <a:xfrm>
             <a:off x="10170040" y="12137197"/>
-            <a:ext cx="597600" cy="597600"/>
-          </a:xfrm>
-          <a:prstGeom prst="rect">
-            <a:avLst/>
-          </a:prstGeom>
-        </p:spPr>
-      </p:pic>
-      <p:pic>
-        <p:nvPicPr>
-          <p:cNvPr id="22" name="Picture 21">
-            <a:extLst>
-              <a:ext uri="{FF2B5EF4-FFF2-40B4-BE49-F238E27FC236}">
-                <a16:creationId xmlns:a16="http://schemas.microsoft.com/office/drawing/2014/main" id="{14FB55D0-5E90-5463-4D79-AA322C9847A9}"/>
-              </a:ext>
-            </a:extLst>
-          </p:cNvPr>
-          <p:cNvPicPr>
-            <a:picLocks noChangeAspect="1"/>
-          </p:cNvPicPr>
-          <p:nvPr/>
-        </p:nvPicPr>
-        <p:blipFill>
-          <a:blip r:embed="rId9">
-            <a:extLst>
-              <a:ext uri="{28A0092B-C50C-407E-A947-70E740481C1C}">
-                <a14:useLocalDpi xmlns:a14="http://schemas.microsoft.com/office/drawing/2010/main" val="0"/>
-              </a:ext>
-            </a:extLst>
-          </a:blip>
-          <a:stretch>
-            <a:fillRect/>
-          </a:stretch>
-        </p:blipFill>
-        <p:spPr>
-          <a:xfrm>
-            <a:off x="9284887" y="19287046"/>
-            <a:ext cx="595823" cy="595823"/>
-          </a:xfrm>
-          <a:prstGeom prst="rect">
-            <a:avLst/>
-          </a:prstGeom>
-        </p:spPr>
-      </p:pic>
-      <p:pic>
-        <p:nvPicPr>
-          <p:cNvPr id="23" name="Picture 22">
-            <a:extLst>
-              <a:ext uri="{FF2B5EF4-FFF2-40B4-BE49-F238E27FC236}">
-                <a16:creationId xmlns:a16="http://schemas.microsoft.com/office/drawing/2014/main" id="{F1650ACD-DAEC-3716-9E64-2A3A8E9C52DF}"/>
-              </a:ext>
-            </a:extLst>
-          </p:cNvPr>
-          <p:cNvPicPr>
-            <a:picLocks noChangeAspect="1"/>
-          </p:cNvPicPr>
-          <p:nvPr/>
-        </p:nvPicPr>
-        <p:blipFill>
-          <a:blip r:embed="rId10">
-            <a:extLst>
-              <a:ext uri="{28A0092B-C50C-407E-A947-70E740481C1C}">
-                <a14:useLocalDpi xmlns:a14="http://schemas.microsoft.com/office/drawing/2010/main" val="0"/>
-              </a:ext>
-            </a:extLst>
-          </a:blip>
-          <a:stretch>
-            <a:fillRect/>
-          </a:stretch>
-        </p:blipFill>
-        <p:spPr>
-          <a:xfrm>
-            <a:off x="10248557" y="19287046"/>
             <a:ext cx="597600" cy="597600"/>
           </a:xfrm>
           <a:prstGeom prst="rect">
@@ -7481,6 +7409,78 @@
           <a:xfrm>
             <a:off x="10258231" y="17113524"/>
             <a:ext cx="597600" cy="597600"/>
+          </a:xfrm>
+          <a:prstGeom prst="rect">
+            <a:avLst/>
+          </a:prstGeom>
+        </p:spPr>
+      </p:pic>
+      <p:pic>
+        <p:nvPicPr>
+          <p:cNvPr id="29" name="Picture 28">
+            <a:extLst>
+              <a:ext uri="{FF2B5EF4-FFF2-40B4-BE49-F238E27FC236}">
+                <a16:creationId xmlns:a16="http://schemas.microsoft.com/office/drawing/2014/main" id="{7BE69D5E-D1B3-20FE-339C-5620D52E1A6A}"/>
+              </a:ext>
+            </a:extLst>
+          </p:cNvPr>
+          <p:cNvPicPr>
+            <a:picLocks noChangeAspect="1"/>
+          </p:cNvPicPr>
+          <p:nvPr/>
+        </p:nvPicPr>
+        <p:blipFill>
+          <a:blip r:embed="rId9">
+            <a:extLst>
+              <a:ext uri="{28A0092B-C50C-407E-A947-70E740481C1C}">
+                <a14:useLocalDpi xmlns:a14="http://schemas.microsoft.com/office/drawing/2010/main" val="0"/>
+              </a:ext>
+            </a:extLst>
+          </a:blip>
+          <a:stretch>
+            <a:fillRect/>
+          </a:stretch>
+        </p:blipFill>
+        <p:spPr>
+          <a:xfrm rot="5400000">
+            <a:off x="9735871" y="19130275"/>
+            <a:ext cx="504000" cy="504000"/>
+          </a:xfrm>
+          <a:prstGeom prst="rect">
+            <a:avLst/>
+          </a:prstGeom>
+        </p:spPr>
+      </p:pic>
+      <p:pic>
+        <p:nvPicPr>
+          <p:cNvPr id="30" name="Picture 29">
+            <a:extLst>
+              <a:ext uri="{FF2B5EF4-FFF2-40B4-BE49-F238E27FC236}">
+                <a16:creationId xmlns:a16="http://schemas.microsoft.com/office/drawing/2014/main" id="{E3DB4E73-161C-5D11-A55A-CD1D4155E868}"/>
+              </a:ext>
+            </a:extLst>
+          </p:cNvPr>
+          <p:cNvPicPr>
+            <a:picLocks noChangeAspect="1"/>
+          </p:cNvPicPr>
+          <p:nvPr/>
+        </p:nvPicPr>
+        <p:blipFill>
+          <a:blip r:embed="rId10">
+            <a:extLst>
+              <a:ext uri="{28A0092B-C50C-407E-A947-70E740481C1C}">
+                <a14:useLocalDpi xmlns:a14="http://schemas.microsoft.com/office/drawing/2010/main" val="0"/>
+              </a:ext>
+            </a:extLst>
+          </a:blip>
+          <a:stretch>
+            <a:fillRect/>
+          </a:stretch>
+        </p:blipFill>
+        <p:spPr>
+          <a:xfrm rot="5400000">
+            <a:off x="9735871" y="19634275"/>
+            <a:ext cx="504000" cy="504000"/>
           </a:xfrm>
           <a:prstGeom prst="rect">
             <a:avLst/>
